--- a/presentations/03_Pipes_Directives.pptx
+++ b/presentations/03_Pipes_Directives.pptx
@@ -94,10 +94,10 @@
         </a:solidFill>
         <a:effectLst/>
         <a:uFillTx/>
-        <a:latin typeface="Arial"/>
-        <a:ea typeface="Arial"/>
-        <a:cs typeface="Arial"/>
-        <a:sym typeface="Arial"/>
+        <a:latin typeface="+mj-lt"/>
+        <a:ea typeface="+mj-ea"/>
+        <a:cs typeface="+mj-cs"/>
+        <a:sym typeface="Helvetica"/>
       </a:defRPr>
     </a:lvl1pPr>
     <a:lvl2pPr marL="0" marR="0" indent="0" algn="l" defTabSz="914400" rtl="0" fontAlgn="auto" latinLnBrk="0" hangingPunct="0">
@@ -124,10 +124,10 @@
         </a:solidFill>
         <a:effectLst/>
         <a:uFillTx/>
-        <a:latin typeface="Arial"/>
-        <a:ea typeface="Arial"/>
-        <a:cs typeface="Arial"/>
-        <a:sym typeface="Arial"/>
+        <a:latin typeface="+mj-lt"/>
+        <a:ea typeface="+mj-ea"/>
+        <a:cs typeface="+mj-cs"/>
+        <a:sym typeface="Helvetica"/>
       </a:defRPr>
     </a:lvl2pPr>
     <a:lvl3pPr marL="0" marR="0" indent="0" algn="l" defTabSz="914400" rtl="0" fontAlgn="auto" latinLnBrk="0" hangingPunct="0">
@@ -154,10 +154,10 @@
         </a:solidFill>
         <a:effectLst/>
         <a:uFillTx/>
-        <a:latin typeface="Arial"/>
-        <a:ea typeface="Arial"/>
-        <a:cs typeface="Arial"/>
-        <a:sym typeface="Arial"/>
+        <a:latin typeface="+mj-lt"/>
+        <a:ea typeface="+mj-ea"/>
+        <a:cs typeface="+mj-cs"/>
+        <a:sym typeface="Helvetica"/>
       </a:defRPr>
     </a:lvl3pPr>
     <a:lvl4pPr marL="0" marR="0" indent="0" algn="l" defTabSz="914400" rtl="0" fontAlgn="auto" latinLnBrk="0" hangingPunct="0">
@@ -184,10 +184,10 @@
         </a:solidFill>
         <a:effectLst/>
         <a:uFillTx/>
-        <a:latin typeface="Arial"/>
-        <a:ea typeface="Arial"/>
-        <a:cs typeface="Arial"/>
-        <a:sym typeface="Arial"/>
+        <a:latin typeface="+mj-lt"/>
+        <a:ea typeface="+mj-ea"/>
+        <a:cs typeface="+mj-cs"/>
+        <a:sym typeface="Helvetica"/>
       </a:defRPr>
     </a:lvl4pPr>
     <a:lvl5pPr marL="0" marR="0" indent="0" algn="l" defTabSz="914400" rtl="0" fontAlgn="auto" latinLnBrk="0" hangingPunct="0">
@@ -214,10 +214,10 @@
         </a:solidFill>
         <a:effectLst/>
         <a:uFillTx/>
-        <a:latin typeface="Arial"/>
-        <a:ea typeface="Arial"/>
-        <a:cs typeface="Arial"/>
-        <a:sym typeface="Arial"/>
+        <a:latin typeface="+mj-lt"/>
+        <a:ea typeface="+mj-ea"/>
+        <a:cs typeface="+mj-cs"/>
+        <a:sym typeface="Helvetica"/>
       </a:defRPr>
     </a:lvl5pPr>
     <a:lvl6pPr marL="0" marR="0" indent="0" algn="l" defTabSz="914400" rtl="0" fontAlgn="auto" latinLnBrk="0" hangingPunct="0">
@@ -244,10 +244,10 @@
         </a:solidFill>
         <a:effectLst/>
         <a:uFillTx/>
-        <a:latin typeface="Arial"/>
-        <a:ea typeface="Arial"/>
-        <a:cs typeface="Arial"/>
-        <a:sym typeface="Arial"/>
+        <a:latin typeface="+mj-lt"/>
+        <a:ea typeface="+mj-ea"/>
+        <a:cs typeface="+mj-cs"/>
+        <a:sym typeface="Helvetica"/>
       </a:defRPr>
     </a:lvl6pPr>
     <a:lvl7pPr marL="0" marR="0" indent="0" algn="l" defTabSz="914400" rtl="0" fontAlgn="auto" latinLnBrk="0" hangingPunct="0">
@@ -274,10 +274,10 @@
         </a:solidFill>
         <a:effectLst/>
         <a:uFillTx/>
-        <a:latin typeface="Arial"/>
-        <a:ea typeface="Arial"/>
-        <a:cs typeface="Arial"/>
-        <a:sym typeface="Arial"/>
+        <a:latin typeface="+mj-lt"/>
+        <a:ea typeface="+mj-ea"/>
+        <a:cs typeface="+mj-cs"/>
+        <a:sym typeface="Helvetica"/>
       </a:defRPr>
     </a:lvl7pPr>
     <a:lvl8pPr marL="0" marR="0" indent="0" algn="l" defTabSz="914400" rtl="0" fontAlgn="auto" latinLnBrk="0" hangingPunct="0">
@@ -304,10 +304,10 @@
         </a:solidFill>
         <a:effectLst/>
         <a:uFillTx/>
-        <a:latin typeface="Arial"/>
-        <a:ea typeface="Arial"/>
-        <a:cs typeface="Arial"/>
-        <a:sym typeface="Arial"/>
+        <a:latin typeface="+mj-lt"/>
+        <a:ea typeface="+mj-ea"/>
+        <a:cs typeface="+mj-cs"/>
+        <a:sym typeface="Helvetica"/>
       </a:defRPr>
     </a:lvl8pPr>
     <a:lvl9pPr marL="0" marR="0" indent="0" algn="l" defTabSz="914400" rtl="0" fontAlgn="auto" latinLnBrk="0" hangingPunct="0">
@@ -334,10 +334,10 @@
         </a:solidFill>
         <a:effectLst/>
         <a:uFillTx/>
-        <a:latin typeface="Arial"/>
-        <a:ea typeface="Arial"/>
-        <a:cs typeface="Arial"/>
-        <a:sym typeface="Arial"/>
+        <a:latin typeface="+mj-lt"/>
+        <a:ea typeface="+mj-ea"/>
+        <a:cs typeface="+mj-cs"/>
+        <a:sym typeface="Helvetica"/>
       </a:defRPr>
     </a:lvl9pPr>
   </p:defaultTextStyle>
@@ -421,73 +421,73 @@
   <p:notesStyle>
     <a:lvl1pPr latinLnBrk="0">
       <a:defRPr>
-        <a:latin typeface="+mj-lt"/>
-        <a:ea typeface="+mj-ea"/>
-        <a:cs typeface="+mj-cs"/>
+        <a:latin typeface="+mn-lt"/>
+        <a:ea typeface="+mn-ea"/>
+        <a:cs typeface="+mn-cs"/>
         <a:sym typeface="Helvetica Neue"/>
       </a:defRPr>
     </a:lvl1pPr>
     <a:lvl2pPr indent="228600" latinLnBrk="0">
       <a:defRPr>
-        <a:latin typeface="+mj-lt"/>
-        <a:ea typeface="+mj-ea"/>
-        <a:cs typeface="+mj-cs"/>
+        <a:latin typeface="+mn-lt"/>
+        <a:ea typeface="+mn-ea"/>
+        <a:cs typeface="+mn-cs"/>
         <a:sym typeface="Helvetica Neue"/>
       </a:defRPr>
     </a:lvl2pPr>
     <a:lvl3pPr indent="457200" latinLnBrk="0">
       <a:defRPr>
-        <a:latin typeface="+mj-lt"/>
-        <a:ea typeface="+mj-ea"/>
-        <a:cs typeface="+mj-cs"/>
+        <a:latin typeface="+mn-lt"/>
+        <a:ea typeface="+mn-ea"/>
+        <a:cs typeface="+mn-cs"/>
         <a:sym typeface="Helvetica Neue"/>
       </a:defRPr>
     </a:lvl3pPr>
     <a:lvl4pPr indent="685800" latinLnBrk="0">
       <a:defRPr>
-        <a:latin typeface="+mj-lt"/>
-        <a:ea typeface="+mj-ea"/>
-        <a:cs typeface="+mj-cs"/>
+        <a:latin typeface="+mn-lt"/>
+        <a:ea typeface="+mn-ea"/>
+        <a:cs typeface="+mn-cs"/>
         <a:sym typeface="Helvetica Neue"/>
       </a:defRPr>
     </a:lvl4pPr>
     <a:lvl5pPr indent="914400" latinLnBrk="0">
       <a:defRPr>
-        <a:latin typeface="+mj-lt"/>
-        <a:ea typeface="+mj-ea"/>
-        <a:cs typeface="+mj-cs"/>
+        <a:latin typeface="+mn-lt"/>
+        <a:ea typeface="+mn-ea"/>
+        <a:cs typeface="+mn-cs"/>
         <a:sym typeface="Helvetica Neue"/>
       </a:defRPr>
     </a:lvl5pPr>
     <a:lvl6pPr indent="1143000" latinLnBrk="0">
       <a:defRPr>
-        <a:latin typeface="+mj-lt"/>
-        <a:ea typeface="+mj-ea"/>
-        <a:cs typeface="+mj-cs"/>
+        <a:latin typeface="+mn-lt"/>
+        <a:ea typeface="+mn-ea"/>
+        <a:cs typeface="+mn-cs"/>
         <a:sym typeface="Helvetica Neue"/>
       </a:defRPr>
     </a:lvl6pPr>
     <a:lvl7pPr indent="1371600" latinLnBrk="0">
       <a:defRPr>
-        <a:latin typeface="+mj-lt"/>
-        <a:ea typeface="+mj-ea"/>
-        <a:cs typeface="+mj-cs"/>
+        <a:latin typeface="+mn-lt"/>
+        <a:ea typeface="+mn-ea"/>
+        <a:cs typeface="+mn-cs"/>
         <a:sym typeface="Helvetica Neue"/>
       </a:defRPr>
     </a:lvl7pPr>
     <a:lvl8pPr indent="1600200" latinLnBrk="0">
       <a:defRPr>
-        <a:latin typeface="+mj-lt"/>
-        <a:ea typeface="+mj-ea"/>
-        <a:cs typeface="+mj-cs"/>
+        <a:latin typeface="+mn-lt"/>
+        <a:ea typeface="+mn-ea"/>
+        <a:cs typeface="+mn-cs"/>
         <a:sym typeface="Helvetica Neue"/>
       </a:defRPr>
     </a:lvl8pPr>
     <a:lvl9pPr indent="1828800" latinLnBrk="0">
       <a:defRPr>
-        <a:latin typeface="+mj-lt"/>
-        <a:ea typeface="+mj-ea"/>
-        <a:cs typeface="+mj-cs"/>
+        <a:latin typeface="+mn-lt"/>
+        <a:ea typeface="+mn-ea"/>
+        <a:cs typeface="+mn-cs"/>
         <a:sym typeface="Helvetica Neue"/>
       </a:defRPr>
     </a:lvl9pPr>
@@ -523,7 +523,7 @@
         <p:spPr>
           <a:xfrm>
             <a:off x="685800" y="2111123"/>
-            <a:ext cx="7772400" cy="1546475"/>
+            <a:ext cx="7772400" cy="1546476"/>
           </a:xfrm>
           <a:prstGeom prst="rect">
             <a:avLst/>
@@ -555,7 +555,7 @@
         <p:spPr>
           <a:xfrm>
             <a:off x="685800" y="3786737"/>
-            <a:ext cx="7772400" cy="1046318"/>
+            <a:ext cx="7772400" cy="1046319"/>
           </a:xfrm>
           <a:prstGeom prst="rect">
             <a:avLst/>
@@ -761,7 +761,7 @@
                 <a:sym typeface="Calibri"/>
               </a:defRPr>
             </a:lvl1pPr>
-            <a:lvl2pPr marL="772583" indent="-207433">
+            <a:lvl2pPr marL="772582" indent="-207432">
               <a:buChar char="●"/>
               <a:defRPr sz="2800">
                 <a:latin typeface="Calibri"/>
@@ -779,7 +779,7 @@
                 <a:sym typeface="Calibri"/>
               </a:defRPr>
             </a:lvl3pPr>
-            <a:lvl4pPr marL="1684866" indent="-237066">
+            <a:lvl4pPr marL="1684865" indent="-237065">
               <a:defRPr sz="2800">
                 <a:latin typeface="Calibri"/>
                 <a:ea typeface="Calibri"/>
@@ -787,7 +787,7 @@
                 <a:sym typeface="Calibri"/>
               </a:defRPr>
             </a:lvl4pPr>
-            <a:lvl5pPr marL="2142066" indent="-237066">
+            <a:lvl5pPr marL="2142065" indent="-237065">
               <a:buChar char="●"/>
               <a:defRPr sz="2800">
                 <a:latin typeface="Calibri"/>
@@ -839,8 +839,8 @@
         </p:nvSpPr>
         <p:spPr>
           <a:xfrm>
-            <a:off x="4648200" y="1600200"/>
-            <a:ext cx="4038599" cy="4525963"/>
+            <a:off x="4648199" y="1600200"/>
+            <a:ext cx="4038600" cy="4525963"/>
           </a:xfrm>
           <a:prstGeom prst="rect">
             <a:avLst/>
@@ -850,14 +850,7 @@
           <a:bodyPr/>
           <a:lstStyle/>
           <a:p>
-            <a:pPr marL="342900" indent="-222250">
-              <a:defRPr sz="2800">
-                <a:latin typeface="Calibri"/>
-                <a:ea typeface="Calibri"/>
-                <a:cs typeface="Calibri"/>
-                <a:sym typeface="Calibri"/>
-              </a:defRPr>
-            </a:pPr>
+            <a:pPr/>
           </a:p>
         </p:txBody>
       </p:sp>
@@ -871,15 +864,15 @@
         </p:nvSpPr>
         <p:spPr>
           <a:xfrm>
-            <a:off x="8293481" y="6348795"/>
-            <a:ext cx="393319" cy="380235"/>
+            <a:off x="8293484" y="6348796"/>
+            <a:ext cx="393317" cy="380233"/>
           </a:xfrm>
           <a:prstGeom prst="rect">
             <a:avLst/>
           </a:prstGeom>
         </p:spPr>
         <p:txBody>
-          <a:bodyPr lIns="91424" tIns="91424" rIns="91424" bIns="91424"/>
+          <a:bodyPr lIns="91423" tIns="91423" rIns="91423" bIns="91423"/>
           <a:lstStyle>
             <a:lvl1pPr>
               <a:defRPr sz="1400"/>
@@ -982,7 +975,7 @@
                 <a:sym typeface="Calibri"/>
               </a:defRPr>
             </a:lvl1pPr>
-            <a:lvl2pPr indent="457200">
+            <a:lvl2pPr>
               <a:buClrTx/>
               <a:buSzTx/>
               <a:buFontTx/>
@@ -994,7 +987,7 @@
                 <a:sym typeface="Calibri"/>
               </a:defRPr>
             </a:lvl2pPr>
-            <a:lvl3pPr indent="914400">
+            <a:lvl3pPr>
               <a:buClrTx/>
               <a:buSzTx/>
               <a:buFontTx/>
@@ -1006,7 +999,7 @@
                 <a:sym typeface="Calibri"/>
               </a:defRPr>
             </a:lvl3pPr>
-            <a:lvl4pPr indent="1371600">
+            <a:lvl4pPr>
               <a:buClrTx/>
               <a:buSzTx/>
               <a:buFontTx/>
@@ -1018,7 +1011,7 @@
                 <a:sym typeface="Calibri"/>
               </a:defRPr>
             </a:lvl4pPr>
-            <a:lvl5pPr indent="1828800">
+            <a:lvl5pPr>
               <a:buClrTx/>
               <a:buSzTx/>
               <a:buFontTx/>
@@ -1073,8 +1066,8 @@
         </p:nvSpPr>
         <p:spPr>
           <a:xfrm>
-            <a:off x="457199" y="2174875"/>
-            <a:ext cx="4040189" cy="3951288"/>
+            <a:off x="457198" y="2174875"/>
+            <a:ext cx="4040191" cy="3951288"/>
           </a:xfrm>
           <a:prstGeom prst="rect">
             <a:avLst/>
@@ -1084,14 +1077,7 @@
           <a:bodyPr/>
           <a:lstStyle/>
           <a:p>
-            <a:pPr marL="342900" indent="-222250">
-              <a:defRPr sz="2400">
-                <a:latin typeface="Calibri"/>
-                <a:ea typeface="Calibri"/>
-                <a:cs typeface="Calibri"/>
-                <a:sym typeface="Calibri"/>
-              </a:defRPr>
-            </a:pPr>
+            <a:pPr/>
           </a:p>
         </p:txBody>
       </p:sp>
@@ -1105,8 +1091,8 @@
         </p:nvSpPr>
         <p:spPr>
           <a:xfrm>
-            <a:off x="4645025" y="1535112"/>
-            <a:ext cx="4041774" cy="639763"/>
+            <a:off x="4645024" y="1535111"/>
+            <a:ext cx="4041775" cy="639765"/>
           </a:xfrm>
           <a:prstGeom prst="rect">
             <a:avLst/>
@@ -1116,18 +1102,7 @@
           <a:bodyPr anchor="b"/>
           <a:lstStyle/>
           <a:p>
-            <a:pPr>
-              <a:buClrTx/>
-              <a:buSzTx/>
-              <a:buFontTx/>
-              <a:buNone/>
-              <a:defRPr b="1" sz="2400">
-                <a:latin typeface="Calibri"/>
-                <a:ea typeface="Calibri"/>
-                <a:cs typeface="Calibri"/>
-                <a:sym typeface="Calibri"/>
-              </a:defRPr>
-            </a:pPr>
+            <a:pPr/>
           </a:p>
         </p:txBody>
       </p:sp>
@@ -1141,8 +1116,8 @@
         </p:nvSpPr>
         <p:spPr>
           <a:xfrm>
-            <a:off x="4645025" y="2174875"/>
-            <a:ext cx="4041774" cy="3951288"/>
+            <a:off x="4645024" y="2174875"/>
+            <a:ext cx="4041775" cy="3951288"/>
           </a:xfrm>
           <a:prstGeom prst="rect">
             <a:avLst/>
@@ -1152,14 +1127,7 @@
           <a:bodyPr/>
           <a:lstStyle/>
           <a:p>
-            <a:pPr marL="342900" indent="-222250">
-              <a:defRPr sz="2400">
-                <a:latin typeface="Calibri"/>
-                <a:ea typeface="Calibri"/>
-                <a:cs typeface="Calibri"/>
-                <a:sym typeface="Calibri"/>
-              </a:defRPr>
-            </a:pPr>
+            <a:pPr/>
           </a:p>
         </p:txBody>
       </p:sp>
@@ -1173,15 +1141,15 @@
         </p:nvSpPr>
         <p:spPr>
           <a:xfrm>
-            <a:off x="8293481" y="6348795"/>
-            <a:ext cx="393319" cy="380235"/>
+            <a:off x="8293484" y="6348796"/>
+            <a:ext cx="393317" cy="380233"/>
           </a:xfrm>
           <a:prstGeom prst="rect">
             <a:avLst/>
           </a:prstGeom>
         </p:spPr>
         <p:txBody>
-          <a:bodyPr lIns="91424" tIns="91424" rIns="91424" bIns="91424"/>
+          <a:bodyPr lIns="91423" tIns="91423" rIns="91423" bIns="91423"/>
           <a:lstStyle>
             <a:lvl1pPr>
               <a:defRPr sz="1400"/>
@@ -1262,15 +1230,15 @@
         </p:nvSpPr>
         <p:spPr>
           <a:xfrm>
-            <a:off x="8293481" y="6348795"/>
-            <a:ext cx="393319" cy="380235"/>
+            <a:off x="8293484" y="6348796"/>
+            <a:ext cx="393317" cy="380233"/>
           </a:xfrm>
           <a:prstGeom prst="rect">
             <a:avLst/>
           </a:prstGeom>
         </p:spPr>
         <p:txBody>
-          <a:bodyPr lIns="91424" tIns="91424" rIns="91424" bIns="91424"/>
+          <a:bodyPr lIns="91423" tIns="91423" rIns="91423" bIns="91423"/>
           <a:lstStyle>
             <a:lvl1pPr>
               <a:defRPr sz="1400"/>
@@ -1318,15 +1286,15 @@
         </p:nvSpPr>
         <p:spPr>
           <a:xfrm>
-            <a:off x="8293481" y="6348795"/>
-            <a:ext cx="393319" cy="380235"/>
+            <a:off x="8293484" y="6348796"/>
+            <a:ext cx="393317" cy="380233"/>
           </a:xfrm>
           <a:prstGeom prst="rect">
             <a:avLst/>
           </a:prstGeom>
         </p:spPr>
         <p:txBody>
-          <a:bodyPr lIns="91424" tIns="91424" rIns="91424" bIns="91424"/>
+          <a:bodyPr lIns="91423" tIns="91423" rIns="91423" bIns="91423"/>
           <a:lstStyle>
             <a:lvl1pPr>
               <a:defRPr sz="1400"/>
@@ -1375,7 +1343,7 @@
         <p:spPr>
           <a:xfrm>
             <a:off x="457200" y="273050"/>
-            <a:ext cx="3008314" cy="1162050"/>
+            <a:ext cx="3008315" cy="1162050"/>
           </a:xfrm>
           <a:prstGeom prst="rect">
             <a:avLst/>
@@ -1438,7 +1406,7 @@
                 <a:sym typeface="Calibri"/>
               </a:defRPr>
             </a:lvl2pPr>
-            <a:lvl3pPr marL="1188508" indent="-182033">
+            <a:lvl3pPr marL="1188507" indent="-182032">
               <a:buChar char="●"/>
               <a:defRPr sz="3200">
                 <a:latin typeface="Calibri"/>
@@ -1447,7 +1415,7 @@
                 <a:sym typeface="Calibri"/>
               </a:defRPr>
             </a:lvl3pPr>
-            <a:lvl4pPr marL="1691639" indent="-243839">
+            <a:lvl4pPr marL="1691638" indent="-243838">
               <a:defRPr sz="3200">
                 <a:latin typeface="Calibri"/>
                 <a:ea typeface="Calibri"/>
@@ -1455,7 +1423,7 @@
                 <a:sym typeface="Calibri"/>
               </a:defRPr>
             </a:lvl4pPr>
-            <a:lvl5pPr marL="2148839" indent="-243839">
+            <a:lvl5pPr marL="2148838" indent="-243838">
               <a:buChar char="●"/>
               <a:defRPr sz="3200">
                 <a:latin typeface="Calibri"/>
@@ -1507,8 +1475,8 @@
         </p:nvSpPr>
         <p:spPr>
           <a:xfrm>
-            <a:off x="457199" y="1435100"/>
-            <a:ext cx="3008315" cy="4691063"/>
+            <a:off x="457198" y="1435100"/>
+            <a:ext cx="3008316" cy="4691063"/>
           </a:xfrm>
           <a:prstGeom prst="rect">
             <a:avLst/>
@@ -1518,18 +1486,7 @@
           <a:bodyPr/>
           <a:lstStyle/>
           <a:p>
-            <a:pPr>
-              <a:buClrTx/>
-              <a:buSzTx/>
-              <a:buFontTx/>
-              <a:buNone/>
-              <a:defRPr sz="1400">
-                <a:latin typeface="Calibri"/>
-                <a:ea typeface="Calibri"/>
-                <a:cs typeface="Calibri"/>
-                <a:sym typeface="Calibri"/>
-              </a:defRPr>
-            </a:pPr>
+            <a:pPr/>
           </a:p>
         </p:txBody>
       </p:sp>
@@ -1543,15 +1500,15 @@
         </p:nvSpPr>
         <p:spPr>
           <a:xfrm>
-            <a:off x="8293481" y="6348795"/>
-            <a:ext cx="393319" cy="380235"/>
+            <a:off x="8293484" y="6348796"/>
+            <a:ext cx="393317" cy="380233"/>
           </a:xfrm>
           <a:prstGeom prst="rect">
             <a:avLst/>
           </a:prstGeom>
         </p:spPr>
         <p:txBody>
-          <a:bodyPr lIns="91424" tIns="91424" rIns="91424" bIns="91424"/>
+          <a:bodyPr lIns="91423" tIns="91423" rIns="91423" bIns="91423"/>
           <a:lstStyle>
             <a:lvl1pPr>
               <a:defRPr sz="1400"/>
@@ -1664,7 +1621,7 @@
         <p:spPr>
           <a:xfrm>
             <a:off x="1792288" y="5367337"/>
-            <a:ext cx="5486399" cy="804862"/>
+            <a:ext cx="5486399" cy="804863"/>
           </a:xfrm>
           <a:prstGeom prst="rect">
             <a:avLst/>
@@ -1685,7 +1642,7 @@
                 <a:sym typeface="Calibri"/>
               </a:defRPr>
             </a:lvl1pPr>
-            <a:lvl2pPr indent="457200">
+            <a:lvl2pPr>
               <a:buClrTx/>
               <a:buSzTx/>
               <a:buFontTx/>
@@ -1697,7 +1654,7 @@
                 <a:sym typeface="Calibri"/>
               </a:defRPr>
             </a:lvl2pPr>
-            <a:lvl3pPr indent="914400">
+            <a:lvl3pPr>
               <a:buClrTx/>
               <a:buSzTx/>
               <a:buFontTx/>
@@ -1709,7 +1666,7 @@
                 <a:sym typeface="Calibri"/>
               </a:defRPr>
             </a:lvl3pPr>
-            <a:lvl4pPr indent="1371600">
+            <a:lvl4pPr>
               <a:buClrTx/>
               <a:buSzTx/>
               <a:buFontTx/>
@@ -1721,7 +1678,7 @@
                 <a:sym typeface="Calibri"/>
               </a:defRPr>
             </a:lvl4pPr>
-            <a:lvl5pPr indent="1828800">
+            <a:lvl5pPr>
               <a:buClrTx/>
               <a:buSzTx/>
               <a:buFontTx/>
@@ -1776,15 +1733,15 @@
         </p:nvSpPr>
         <p:spPr>
           <a:xfrm>
-            <a:off x="8293481" y="6348795"/>
-            <a:ext cx="393319" cy="380235"/>
+            <a:off x="8293484" y="6348796"/>
+            <a:ext cx="393317" cy="380233"/>
           </a:xfrm>
           <a:prstGeom prst="rect">
             <a:avLst/>
           </a:prstGeom>
         </p:spPr>
         <p:txBody>
-          <a:bodyPr lIns="91424" tIns="91424" rIns="91424" bIns="91424"/>
+          <a:bodyPr lIns="91423" tIns="91423" rIns="91423" bIns="91423"/>
           <a:lstStyle>
             <a:lvl1pPr>
               <a:defRPr sz="1400"/>
@@ -1866,7 +1823,7 @@
         <p:spPr>
           <a:xfrm rot="5400000">
             <a:off x="2309017" y="-251618"/>
-            <a:ext cx="4525964" cy="8229601"/>
+            <a:ext cx="4525965" cy="8229601"/>
           </a:xfrm>
           <a:prstGeom prst="rect">
             <a:avLst/>
@@ -1898,7 +1855,7 @@
                 <a:sym typeface="Calibri"/>
               </a:defRPr>
             </a:lvl2pPr>
-            <a:lvl3pPr marL="1188508" indent="-182033">
+            <a:lvl3pPr marL="1188507" indent="-182032">
               <a:spcBef>
                 <a:spcPts val="600"/>
               </a:spcBef>
@@ -1910,7 +1867,7 @@
                 <a:sym typeface="Calibri"/>
               </a:defRPr>
             </a:lvl3pPr>
-            <a:lvl4pPr marL="1691639" indent="-243839">
+            <a:lvl4pPr marL="1691638" indent="-243838">
               <a:spcBef>
                 <a:spcPts val="600"/>
               </a:spcBef>
@@ -1921,7 +1878,7 @@
                 <a:sym typeface="Calibri"/>
               </a:defRPr>
             </a:lvl4pPr>
-            <a:lvl5pPr marL="2148839" indent="-243839">
+            <a:lvl5pPr marL="2148838" indent="-243838">
               <a:spcBef>
                 <a:spcPts val="600"/>
               </a:spcBef>
@@ -1976,15 +1933,15 @@
         </p:nvSpPr>
         <p:spPr>
           <a:xfrm>
-            <a:off x="8293481" y="6348795"/>
-            <a:ext cx="393319" cy="380235"/>
+            <a:off x="8293484" y="6348796"/>
+            <a:ext cx="393317" cy="380233"/>
           </a:xfrm>
           <a:prstGeom prst="rect">
             <a:avLst/>
           </a:prstGeom>
         </p:spPr>
         <p:txBody>
-          <a:bodyPr lIns="91424" tIns="91424" rIns="91424" bIns="91424"/>
+          <a:bodyPr lIns="91423" tIns="91423" rIns="91423" bIns="91423"/>
           <a:lstStyle>
             <a:lvl1pPr>
               <a:defRPr sz="1400"/>
@@ -2033,7 +1990,7 @@
         <p:spPr>
           <a:xfrm rot="5400000">
             <a:off x="4732337" y="2171700"/>
-            <a:ext cx="5851526" cy="2057400"/>
+            <a:ext cx="5851527" cy="2057400"/>
           </a:xfrm>
           <a:prstGeom prst="rect">
             <a:avLst/>
@@ -2070,7 +2027,7 @@
         <p:spPr>
           <a:xfrm rot="5400000">
             <a:off x="541337" y="190500"/>
-            <a:ext cx="5851526" cy="6019799"/>
+            <a:ext cx="5851527" cy="6019799"/>
           </a:xfrm>
           <a:prstGeom prst="rect">
             <a:avLst/>
@@ -2102,7 +2059,7 @@
                 <a:sym typeface="Calibri"/>
               </a:defRPr>
             </a:lvl2pPr>
-            <a:lvl3pPr marL="1188508" indent="-182033">
+            <a:lvl3pPr marL="1188507" indent="-182032">
               <a:spcBef>
                 <a:spcPts val="600"/>
               </a:spcBef>
@@ -2114,7 +2071,7 @@
                 <a:sym typeface="Calibri"/>
               </a:defRPr>
             </a:lvl3pPr>
-            <a:lvl4pPr marL="1691639" indent="-243839">
+            <a:lvl4pPr marL="1691638" indent="-243838">
               <a:spcBef>
                 <a:spcPts val="600"/>
               </a:spcBef>
@@ -2125,7 +2082,7 @@
                 <a:sym typeface="Calibri"/>
               </a:defRPr>
             </a:lvl4pPr>
-            <a:lvl5pPr marL="2148839" indent="-243839">
+            <a:lvl5pPr marL="2148838" indent="-243838">
               <a:spcBef>
                 <a:spcPts val="600"/>
               </a:spcBef>
@@ -2180,15 +2137,15 @@
         </p:nvSpPr>
         <p:spPr>
           <a:xfrm>
-            <a:off x="8293481" y="6348795"/>
-            <a:ext cx="393319" cy="380235"/>
+            <a:off x="8293484" y="6348796"/>
+            <a:ext cx="393317" cy="380233"/>
           </a:xfrm>
           <a:prstGeom prst="rect">
             <a:avLst/>
           </a:prstGeom>
         </p:spPr>
         <p:txBody>
-          <a:bodyPr lIns="91424" tIns="91424" rIns="91424" bIns="91424"/>
+          <a:bodyPr lIns="91423" tIns="91423" rIns="91423" bIns="91423"/>
           <a:lstStyle>
             <a:lvl1pPr>
               <a:defRPr sz="1400"/>
@@ -2416,15 +2373,15 @@
         </p:nvSpPr>
         <p:spPr>
           <a:xfrm>
-            <a:off x="8293482" y="6348795"/>
-            <a:ext cx="393319" cy="380235"/>
+            <a:off x="8293485" y="6348796"/>
+            <a:ext cx="393317" cy="380233"/>
           </a:xfrm>
           <a:prstGeom prst="rect">
             <a:avLst/>
           </a:prstGeom>
         </p:spPr>
         <p:txBody>
-          <a:bodyPr lIns="91424" tIns="91424" rIns="91424" bIns="91424"/>
+          <a:bodyPr lIns="91423" tIns="91423" rIns="91423" bIns="91423"/>
           <a:lstStyle>
             <a:lvl1pPr>
               <a:defRPr sz="1400"/>
@@ -2669,7 +2626,7 @@
         <p:spPr>
           <a:xfrm>
             <a:off x="4692272" y="1600200"/>
-            <a:ext cx="3994527" cy="4967574"/>
+            <a:ext cx="3994528" cy="4967574"/>
           </a:xfrm>
           <a:prstGeom prst="rect">
             <a:avLst/>
@@ -2814,7 +2771,7 @@
         <p:spPr>
           <a:xfrm>
             <a:off x="457200" y="5875077"/>
-            <a:ext cx="8229600" cy="692694"/>
+            <a:ext cx="8229600" cy="692695"/>
           </a:xfrm>
           <a:prstGeom prst="rect">
             <a:avLst/>
@@ -3057,7 +3014,7 @@
                 <a:sym typeface="Calibri"/>
               </a:defRPr>
             </a:lvl1pPr>
-            <a:lvl2pPr indent="457200" algn="ctr">
+            <a:lvl2pPr algn="ctr">
               <a:spcBef>
                 <a:spcPts val="600"/>
               </a:spcBef>
@@ -3075,7 +3032,7 @@
                 <a:sym typeface="Calibri"/>
               </a:defRPr>
             </a:lvl2pPr>
-            <a:lvl3pPr indent="914400" algn="ctr">
+            <a:lvl3pPr algn="ctr">
               <a:spcBef>
                 <a:spcPts val="600"/>
               </a:spcBef>
@@ -3093,7 +3050,7 @@
                 <a:sym typeface="Calibri"/>
               </a:defRPr>
             </a:lvl3pPr>
-            <a:lvl4pPr indent="1371600" algn="ctr">
+            <a:lvl4pPr algn="ctr">
               <a:spcBef>
                 <a:spcPts val="600"/>
               </a:spcBef>
@@ -3111,7 +3068,7 @@
                 <a:sym typeface="Calibri"/>
               </a:defRPr>
             </a:lvl4pPr>
-            <a:lvl5pPr indent="1828800" algn="ctr">
+            <a:lvl5pPr algn="ctr">
               <a:spcBef>
                 <a:spcPts val="600"/>
               </a:spcBef>
@@ -3172,15 +3129,15 @@
         </p:nvSpPr>
         <p:spPr>
           <a:xfrm>
-            <a:off x="8293481" y="6348795"/>
-            <a:ext cx="393319" cy="380235"/>
+            <a:off x="8293484" y="6348796"/>
+            <a:ext cx="393317" cy="380233"/>
           </a:xfrm>
           <a:prstGeom prst="rect">
             <a:avLst/>
           </a:prstGeom>
         </p:spPr>
         <p:txBody>
-          <a:bodyPr lIns="91424" tIns="91424" rIns="91424" bIns="91424"/>
+          <a:bodyPr lIns="91423" tIns="91423" rIns="91423" bIns="91423"/>
           <a:lstStyle>
             <a:lvl1pPr>
               <a:defRPr sz="1400"/>
@@ -3294,7 +3251,7 @@
                 <a:sym typeface="Calibri"/>
               </a:defRPr>
             </a:lvl2pPr>
-            <a:lvl3pPr marL="1188508" indent="-182033">
+            <a:lvl3pPr marL="1188507" indent="-182032">
               <a:spcBef>
                 <a:spcPts val="600"/>
               </a:spcBef>
@@ -3306,7 +3263,7 @@
                 <a:sym typeface="Calibri"/>
               </a:defRPr>
             </a:lvl3pPr>
-            <a:lvl4pPr marL="1691639" indent="-243839">
+            <a:lvl4pPr marL="1691638" indent="-243838">
               <a:spcBef>
                 <a:spcPts val="600"/>
               </a:spcBef>
@@ -3317,7 +3274,7 @@
                 <a:sym typeface="Calibri"/>
               </a:defRPr>
             </a:lvl4pPr>
-            <a:lvl5pPr marL="2148839" indent="-243839">
+            <a:lvl5pPr marL="2148838" indent="-243838">
               <a:spcBef>
                 <a:spcPts val="600"/>
               </a:spcBef>
@@ -3372,15 +3329,15 @@
         </p:nvSpPr>
         <p:spPr>
           <a:xfrm>
-            <a:off x="8293481" y="6348795"/>
-            <a:ext cx="393319" cy="380235"/>
+            <a:off x="8293484" y="6348796"/>
+            <a:ext cx="393317" cy="380233"/>
           </a:xfrm>
           <a:prstGeom prst="rect">
             <a:avLst/>
           </a:prstGeom>
         </p:spPr>
         <p:txBody>
-          <a:bodyPr lIns="91424" tIns="91424" rIns="91424" bIns="91424"/>
+          <a:bodyPr lIns="91423" tIns="91423" rIns="91423" bIns="91423"/>
           <a:lstStyle>
             <a:lvl1pPr>
               <a:defRPr sz="1400"/>
@@ -3466,7 +3423,7 @@
         <p:spPr>
           <a:xfrm>
             <a:off x="722312" y="2906713"/>
-            <a:ext cx="7772401" cy="1500188"/>
+            <a:ext cx="7772401" cy="1500189"/>
           </a:xfrm>
           <a:prstGeom prst="rect">
             <a:avLst/>
@@ -3490,7 +3447,7 @@
                 <a:sym typeface="Calibri"/>
               </a:defRPr>
             </a:lvl1pPr>
-            <a:lvl2pPr indent="457200">
+            <a:lvl2pPr>
               <a:buClrTx/>
               <a:buSzTx/>
               <a:buFontTx/>
@@ -3505,7 +3462,7 @@
                 <a:sym typeface="Calibri"/>
               </a:defRPr>
             </a:lvl2pPr>
-            <a:lvl3pPr indent="914400">
+            <a:lvl3pPr>
               <a:buClrTx/>
               <a:buSzTx/>
               <a:buFontTx/>
@@ -3520,7 +3477,7 @@
                 <a:sym typeface="Calibri"/>
               </a:defRPr>
             </a:lvl3pPr>
-            <a:lvl4pPr indent="1371600">
+            <a:lvl4pPr>
               <a:buClrTx/>
               <a:buSzTx/>
               <a:buFontTx/>
@@ -3535,7 +3492,7 @@
                 <a:sym typeface="Calibri"/>
               </a:defRPr>
             </a:lvl4pPr>
-            <a:lvl5pPr indent="1828800">
+            <a:lvl5pPr>
               <a:buClrTx/>
               <a:buSzTx/>
               <a:buFontTx/>
@@ -3593,15 +3550,15 @@
         </p:nvSpPr>
         <p:spPr>
           <a:xfrm>
-            <a:off x="8293481" y="6348795"/>
-            <a:ext cx="393319" cy="380235"/>
+            <a:off x="8293484" y="6348796"/>
+            <a:ext cx="393317" cy="380233"/>
           </a:xfrm>
           <a:prstGeom prst="rect">
             <a:avLst/>
           </a:prstGeom>
         </p:spPr>
         <p:txBody>
-          <a:bodyPr lIns="91424" tIns="91424" rIns="91424" bIns="91424"/>
+          <a:bodyPr lIns="91423" tIns="91423" rIns="91423" bIns="91423"/>
           <a:lstStyle>
             <a:lvl1pPr>
               <a:defRPr sz="1400"/>
@@ -3656,8 +3613,8 @@
         </p:nvSpPr>
         <p:spPr>
           <a:xfrm>
-            <a:off x="457200" y="274636"/>
-            <a:ext cx="8229600" cy="1143001"/>
+            <a:off x="457200" y="274635"/>
+            <a:ext cx="8229600" cy="1143002"/>
           </a:xfrm>
           <a:prstGeom prst="rect">
             <a:avLst/>
@@ -3672,7 +3629,7 @@
           </a:extLst>
         </p:spPr>
         <p:txBody>
-          <a:bodyPr lIns="91424" tIns="91424" rIns="91424" bIns="91424" anchor="b">
+          <a:bodyPr lIns="91423" tIns="91423" rIns="91423" bIns="91423" anchor="b">
             <a:normAutofit fontScale="100000" lnSpcReduction="0"/>
           </a:bodyPr>
           <a:lstStyle/>
@@ -3710,7 +3667,7 @@
           </a:extLst>
         </p:spPr>
         <p:txBody>
-          <a:bodyPr lIns="91424" tIns="91424" rIns="91424" bIns="91424">
+          <a:bodyPr lIns="91423" tIns="91423" rIns="91423" bIns="91423">
             <a:normAutofit fontScale="100000" lnSpcReduction="0"/>
           </a:bodyPr>
           <a:lstStyle/>
@@ -3756,8 +3713,8 @@
         </p:nvSpPr>
         <p:spPr>
           <a:xfrm>
-            <a:off x="4419600" y="6172200"/>
-            <a:ext cx="2133600" cy="368301"/>
+            <a:off x="6279546" y="6224224"/>
+            <a:ext cx="273654" cy="264253"/>
           </a:xfrm>
           <a:prstGeom prst="rect">
             <a:avLst/>
@@ -3767,12 +3724,17 @@
           </a:ln>
         </p:spPr>
         <p:txBody>
-          <a:bodyPr wrap="none" lIns="45719" rIns="45719" anchor="ctr">
+          <a:bodyPr wrap="none" lIns="45718" tIns="45718" rIns="45718" bIns="45718" anchor="ctr">
             <a:spAutoFit/>
           </a:bodyPr>
           <a:lstStyle>
             <a:lvl1pPr algn="r">
-              <a:defRPr sz="1200"/>
+              <a:defRPr sz="1200">
+                <a:latin typeface="Arial"/>
+                <a:ea typeface="Arial"/>
+                <a:cs typeface="Arial"/>
+                <a:sym typeface="Arial"/>
+              </a:defRPr>
             </a:lvl1pPr>
           </a:lstStyle>
           <a:p>
@@ -4070,7 +4032,7 @@
       </a:lvl9pPr>
     </p:titleStyle>
     <p:bodyStyle>
-      <a:lvl1pPr marL="0" marR="0" indent="0" algn="l" defTabSz="914400" latinLnBrk="0">
+      <a:lvl1pPr marL="0" marR="0" indent="0" algn="l" defTabSz="914400" rtl="0" latinLnBrk="0">
         <a:lnSpc>
           <a:spcPct val="100000"/>
         </a:lnSpc>
@@ -4101,7 +4063,7 @@
           <a:sym typeface="Arial"/>
         </a:defRPr>
       </a:lvl1pPr>
-      <a:lvl2pPr marL="0" marR="0" indent="0" algn="l" defTabSz="914400" latinLnBrk="0">
+      <a:lvl2pPr marL="0" marR="0" indent="0" algn="l" defTabSz="914400" rtl="0" latinLnBrk="0">
         <a:lnSpc>
           <a:spcPct val="100000"/>
         </a:lnSpc>
@@ -4132,7 +4094,7 @@
           <a:sym typeface="Arial"/>
         </a:defRPr>
       </a:lvl2pPr>
-      <a:lvl3pPr marL="0" marR="0" indent="0" algn="l" defTabSz="914400" latinLnBrk="0">
+      <a:lvl3pPr marL="0" marR="0" indent="0" algn="l" defTabSz="914400" rtl="0" latinLnBrk="0">
         <a:lnSpc>
           <a:spcPct val="100000"/>
         </a:lnSpc>
@@ -4163,7 +4125,7 @@
           <a:sym typeface="Arial"/>
         </a:defRPr>
       </a:lvl3pPr>
-      <a:lvl4pPr marL="0" marR="0" indent="0" algn="l" defTabSz="914400" latinLnBrk="0">
+      <a:lvl4pPr marL="0" marR="0" indent="0" algn="l" defTabSz="914400" rtl="0" latinLnBrk="0">
         <a:lnSpc>
           <a:spcPct val="100000"/>
         </a:lnSpc>
@@ -4194,7 +4156,7 @@
           <a:sym typeface="Arial"/>
         </a:defRPr>
       </a:lvl4pPr>
-      <a:lvl5pPr marL="0" marR="0" indent="0" algn="l" defTabSz="914400" latinLnBrk="0">
+      <a:lvl5pPr marL="0" marR="0" indent="0" algn="l" defTabSz="914400" rtl="0" latinLnBrk="0">
         <a:lnSpc>
           <a:spcPct val="100000"/>
         </a:lnSpc>
@@ -4225,7 +4187,7 @@
           <a:sym typeface="Arial"/>
         </a:defRPr>
       </a:lvl5pPr>
-      <a:lvl6pPr marL="0" marR="0" indent="0" algn="l" defTabSz="914400" latinLnBrk="0">
+      <a:lvl6pPr marL="0" marR="0" indent="0" algn="l" defTabSz="914400" rtl="0" latinLnBrk="0">
         <a:lnSpc>
           <a:spcPct val="100000"/>
         </a:lnSpc>
@@ -4256,7 +4218,7 @@
           <a:sym typeface="Arial"/>
         </a:defRPr>
       </a:lvl6pPr>
-      <a:lvl7pPr marL="0" marR="0" indent="0" algn="l" defTabSz="914400" latinLnBrk="0">
+      <a:lvl7pPr marL="0" marR="0" indent="0" algn="l" defTabSz="914400" rtl="0" latinLnBrk="0">
         <a:lnSpc>
           <a:spcPct val="100000"/>
         </a:lnSpc>
@@ -4287,7 +4249,7 @@
           <a:sym typeface="Arial"/>
         </a:defRPr>
       </a:lvl7pPr>
-      <a:lvl8pPr marL="0" marR="0" indent="0" algn="l" defTabSz="914400" latinLnBrk="0">
+      <a:lvl8pPr marL="0" marR="0" indent="0" algn="l" defTabSz="914400" rtl="0" latinLnBrk="0">
         <a:lnSpc>
           <a:spcPct val="100000"/>
         </a:lnSpc>
@@ -4318,7 +4280,7 @@
           <a:sym typeface="Arial"/>
         </a:defRPr>
       </a:lvl8pPr>
-      <a:lvl9pPr marL="0" marR="0" indent="0" algn="l" defTabSz="914400" latinLnBrk="0">
+      <a:lvl9pPr marL="0" marR="0" indent="0" algn="l" defTabSz="914400" rtl="0" latinLnBrk="0">
         <a:lnSpc>
           <a:spcPct val="100000"/>
         </a:lnSpc>
@@ -4668,8 +4630,8 @@
         </p:nvSpPr>
         <p:spPr>
           <a:xfrm>
-            <a:off x="1371599" y="3886200"/>
-            <a:ext cx="6400801" cy="1752600"/>
+            <a:off x="1371598" y="3886200"/>
+            <a:ext cx="6400803" cy="1752600"/>
           </a:xfrm>
           <a:prstGeom prst="rect">
             <a:avLst/>
@@ -4706,7 +4668,7 @@
         <p:spPr>
           <a:xfrm>
             <a:off x="-12710" y="0"/>
-            <a:ext cx="9193223" cy="6858000"/>
+            <a:ext cx="9193224" cy="6858000"/>
           </a:xfrm>
           <a:prstGeom prst="rect">
             <a:avLst/>
@@ -4725,7 +4687,7 @@
         <p:spPr>
           <a:xfrm>
             <a:off x="1218850" y="2345150"/>
-            <a:ext cx="5893800" cy="1963579"/>
+            <a:ext cx="5893800" cy="1963577"/>
           </a:xfrm>
           <a:prstGeom prst="rect">
             <a:avLst/>
@@ -4740,7 +4702,7 @@
           </a:extLst>
         </p:spPr>
         <p:txBody>
-          <a:bodyPr lIns="91424" tIns="91424" rIns="91424" bIns="91424">
+          <a:bodyPr lIns="91423" tIns="91423" rIns="91423" bIns="91423">
             <a:spAutoFit/>
           </a:bodyPr>
           <a:lstStyle/>
@@ -4750,6 +4712,10 @@
                 <a:solidFill>
                   <a:srgbClr val="FFFFFF"/>
                 </a:solidFill>
+                <a:latin typeface="Arial"/>
+                <a:ea typeface="Arial"/>
+                <a:cs typeface="Arial"/>
+                <a:sym typeface="Arial"/>
               </a:defRPr>
             </a:pPr>
             <a:r>
@@ -4757,16 +4723,17 @@
             </a:r>
           </a:p>
           <a:p>
-            <a:pPr/>
-            <a:endParaRPr sz="4800">
-              <a:solidFill>
-                <a:srgbClr val="FFFFFF"/>
-              </a:solidFill>
-              <a:latin typeface="Bree Serif"/>
-              <a:ea typeface="Bree Serif"/>
-              <a:cs typeface="Bree Serif"/>
-              <a:sym typeface="Bree Serif"/>
-            </a:endParaRPr>
+            <a:pPr>
+              <a:defRPr sz="4800">
+                <a:solidFill>
+                  <a:srgbClr val="FFFFFF"/>
+                </a:solidFill>
+                <a:latin typeface="Bree Serif"/>
+                <a:ea typeface="Bree Serif"/>
+                <a:cs typeface="Bree Serif"/>
+                <a:sym typeface="Bree Serif"/>
+              </a:defRPr>
+            </a:pPr>
           </a:p>
           <a:p>
             <a:pPr>
@@ -4774,10 +4741,14 @@
                 <a:solidFill>
                   <a:srgbClr val="FFFFFF"/>
                 </a:solidFill>
+                <a:latin typeface="Arial"/>
+                <a:ea typeface="Arial"/>
+                <a:cs typeface="Arial"/>
+                <a:sym typeface="Arial"/>
               </a:defRPr>
             </a:pPr>
             <a:r>
-              <a:t>Lesson 6. Pipes &amp; Directives</a:t>
+              <a:t>Lesson 3. Pipes &amp; Directives</a:t>
             </a:r>
           </a:p>
         </p:txBody>
@@ -4827,7 +4798,7 @@
         <p:spPr>
           <a:xfrm>
             <a:off x="-1902" y="-3963"/>
-            <a:ext cx="9144001" cy="6861963"/>
+            <a:ext cx="9144001" cy="6861964"/>
           </a:xfrm>
           <a:prstGeom prst="rect">
             <a:avLst/>
@@ -4846,7 +4817,7 @@
         <p:spPr>
           <a:xfrm>
             <a:off x="536775" y="1015800"/>
-            <a:ext cx="7328700" cy="538451"/>
+            <a:ext cx="7328700" cy="538449"/>
           </a:xfrm>
           <a:prstGeom prst="rect">
             <a:avLst/>
@@ -4861,7 +4832,7 @@
           </a:extLst>
         </p:spPr>
         <p:txBody>
-          <a:bodyPr lIns="91424" tIns="91424" rIns="91424" bIns="91424">
+          <a:bodyPr lIns="91423" tIns="91423" rIns="91423" bIns="91423">
             <a:spAutoFit/>
           </a:bodyPr>
           <a:lstStyle>
@@ -4890,8 +4861,8 @@
         </p:nvSpPr>
         <p:spPr>
           <a:xfrm>
-            <a:off x="536774" y="1927200"/>
-            <a:ext cx="4360502" cy="442072"/>
+            <a:off x="536773" y="1927200"/>
+            <a:ext cx="4360504" cy="442070"/>
           </a:xfrm>
           <a:prstGeom prst="rect">
             <a:avLst/>
@@ -4906,14 +4877,19 @@
           </a:extLst>
         </p:spPr>
         <p:txBody>
-          <a:bodyPr lIns="91424" tIns="91424" rIns="91424" bIns="91424">
+          <a:bodyPr lIns="91423" tIns="91423" rIns="91423" bIns="91423">
             <a:spAutoFit/>
           </a:bodyPr>
           <a:lstStyle>
             <a:lvl1pPr marL="457200" indent="-342900">
               <a:buSzPct val="100000"/>
               <a:buChar char="■"/>
-              <a:defRPr sz="1800"/>
+              <a:defRPr sz="1800">
+                <a:latin typeface="Arial"/>
+                <a:ea typeface="Arial"/>
+                <a:cs typeface="Arial"/>
+                <a:sym typeface="Arial"/>
+              </a:defRPr>
             </a:lvl1pPr>
           </a:lstStyle>
           <a:p>
@@ -4926,7 +4902,7 @@
       </p:sp>
       <p:pic>
         <p:nvPicPr>
-          <p:cNvPr id="238" name="image21.png" descr="pipe_26.png"/>
+          <p:cNvPr id="238" name="image17.png" descr="pipe_26.png"/>
           <p:cNvPicPr>
             <a:picLocks noChangeAspect="1"/>
           </p:cNvPicPr>
@@ -4942,8 +4918,8 @@
         </p:blipFill>
         <p:spPr>
           <a:xfrm>
-            <a:off x="536774" y="2563942"/>
-            <a:ext cx="8070425" cy="2216463"/>
+            <a:off x="536774" y="2563941"/>
+            <a:ext cx="8070426" cy="2216464"/>
           </a:xfrm>
           <a:prstGeom prst="rect">
             <a:avLst/>
@@ -4962,7 +4938,7 @@
         <p:spPr>
           <a:xfrm>
             <a:off x="5311025" y="3502400"/>
-            <a:ext cx="1251601" cy="246601"/>
+            <a:ext cx="1251602" cy="246602"/>
           </a:xfrm>
           <a:prstGeom prst="rightArrow">
             <a:avLst>
@@ -4980,10 +4956,17 @@
           </a:ln>
         </p:spPr>
         <p:txBody>
-          <a:bodyPr lIns="45719" rIns="45719" anchor="ctr"/>
+          <a:bodyPr lIns="45718" tIns="45718" rIns="45718" bIns="45718" anchor="ctr"/>
           <a:lstStyle/>
           <a:p>
-            <a:pPr/>
+            <a:pPr>
+              <a:defRPr>
+                <a:latin typeface="Arial"/>
+                <a:ea typeface="Arial"/>
+                <a:cs typeface="Arial"/>
+                <a:sym typeface="Arial"/>
+              </a:defRPr>
+            </a:pPr>
           </a:p>
         </p:txBody>
       </p:sp>
@@ -4996,7 +4979,7 @@
         <p:spPr>
           <a:xfrm>
             <a:off x="5311025" y="4264400"/>
-            <a:ext cx="1251601" cy="246601"/>
+            <a:ext cx="1251602" cy="246602"/>
           </a:xfrm>
           <a:prstGeom prst="rightArrow">
             <a:avLst>
@@ -5014,16 +4997,23 @@
           </a:ln>
         </p:spPr>
         <p:txBody>
-          <a:bodyPr lIns="45719" rIns="45719" anchor="ctr"/>
+          <a:bodyPr lIns="45718" tIns="45718" rIns="45718" bIns="45718" anchor="ctr"/>
           <a:lstStyle/>
           <a:p>
-            <a:pPr/>
+            <a:pPr>
+              <a:defRPr>
+                <a:latin typeface="Arial"/>
+                <a:ea typeface="Arial"/>
+                <a:cs typeface="Arial"/>
+                <a:sym typeface="Arial"/>
+              </a:defRPr>
+            </a:pPr>
           </a:p>
         </p:txBody>
       </p:sp>
       <p:pic>
         <p:nvPicPr>
-          <p:cNvPr id="241" name="image12.png" descr="pipe_29.png"/>
+          <p:cNvPr id="241" name="image18.png" descr="pipe_29.png"/>
           <p:cNvPicPr>
             <a:picLocks noChangeAspect="1"/>
           </p:cNvPicPr>
@@ -5039,8 +5029,8 @@
         </p:blipFill>
         <p:spPr>
           <a:xfrm>
-            <a:off x="6633413" y="4157900"/>
-            <a:ext cx="1928322" cy="459601"/>
+            <a:off x="6633412" y="4157900"/>
+            <a:ext cx="1928323" cy="459602"/>
           </a:xfrm>
           <a:prstGeom prst="rect">
             <a:avLst/>
@@ -5052,7 +5042,7 @@
       </p:pic>
       <p:pic>
         <p:nvPicPr>
-          <p:cNvPr id="242" name="image13.png" descr="pipe_30.png"/>
+          <p:cNvPr id="242" name="image19.png" descr="pipe_30.png"/>
           <p:cNvPicPr>
             <a:picLocks noChangeAspect="1"/>
           </p:cNvPicPr>
@@ -5068,8 +5058,8 @@
         </p:blipFill>
         <p:spPr>
           <a:xfrm>
-            <a:off x="6726036" y="3353075"/>
-            <a:ext cx="1743076" cy="485776"/>
+            <a:off x="6726035" y="3353075"/>
+            <a:ext cx="1743077" cy="485777"/>
           </a:xfrm>
           <a:prstGeom prst="rect">
             <a:avLst/>
@@ -5124,7 +5114,7 @@
         <p:spPr>
           <a:xfrm>
             <a:off x="-1902" y="-3963"/>
-            <a:ext cx="9144001" cy="6861963"/>
+            <a:ext cx="9144001" cy="6861964"/>
           </a:xfrm>
           <a:prstGeom prst="rect">
             <a:avLst/>
@@ -5143,7 +5133,7 @@
         <p:spPr>
           <a:xfrm>
             <a:off x="536775" y="1015800"/>
-            <a:ext cx="7328700" cy="538451"/>
+            <a:ext cx="7328700" cy="538449"/>
           </a:xfrm>
           <a:prstGeom prst="rect">
             <a:avLst/>
@@ -5158,7 +5148,7 @@
           </a:extLst>
         </p:spPr>
         <p:txBody>
-          <a:bodyPr lIns="91424" tIns="91424" rIns="91424" bIns="91424">
+          <a:bodyPr lIns="91423" tIns="91423" rIns="91423" bIns="91423">
             <a:spAutoFit/>
           </a:bodyPr>
           <a:lstStyle>
@@ -5187,8 +5177,8 @@
         </p:nvSpPr>
         <p:spPr>
           <a:xfrm>
-            <a:off x="536774" y="1927200"/>
-            <a:ext cx="4360502" cy="646934"/>
+            <a:off x="536773" y="1927199"/>
+            <a:ext cx="4360504" cy="442071"/>
           </a:xfrm>
           <a:prstGeom prst="rect">
             <a:avLst/>
@@ -5203,14 +5193,19 @@
           </a:extLst>
         </p:spPr>
         <p:txBody>
-          <a:bodyPr lIns="91424" tIns="91424" rIns="91424" bIns="91424">
+          <a:bodyPr lIns="91423" tIns="91423" rIns="91423" bIns="91423">
             <a:spAutoFit/>
           </a:bodyPr>
           <a:lstStyle>
             <a:lvl1pPr marL="457200" indent="-342900">
               <a:buSzPct val="100000"/>
               <a:buChar char="■"/>
-              <a:defRPr sz="1800"/>
+              <a:defRPr sz="1800">
+                <a:latin typeface="Arial"/>
+                <a:ea typeface="Arial"/>
+                <a:cs typeface="Arial"/>
+                <a:sym typeface="Arial"/>
+              </a:defRPr>
             </a:lvl1pPr>
           </a:lstStyle>
           <a:p>
@@ -5223,7 +5218,7 @@
       </p:sp>
       <p:pic>
         <p:nvPicPr>
-          <p:cNvPr id="247" name="image26.png" descr="pipe_31.png"/>
+          <p:cNvPr id="247" name="image20.png" descr="pipe_31.png"/>
           <p:cNvPicPr>
             <a:picLocks noChangeAspect="1"/>
           </p:cNvPicPr>
@@ -5239,8 +5234,8 @@
         </p:blipFill>
         <p:spPr>
           <a:xfrm>
-            <a:off x="536774" y="2617349"/>
-            <a:ext cx="8066628" cy="2717451"/>
+            <a:off x="536774" y="2617348"/>
+            <a:ext cx="8066628" cy="2717452"/>
           </a:xfrm>
           <a:prstGeom prst="rect">
             <a:avLst/>
@@ -5259,7 +5254,7 @@
         <p:spPr>
           <a:xfrm>
             <a:off x="4777625" y="4188200"/>
-            <a:ext cx="1251601" cy="246601"/>
+            <a:ext cx="1251602" cy="246602"/>
           </a:xfrm>
           <a:prstGeom prst="rightArrow">
             <a:avLst>
@@ -5277,10 +5272,17 @@
           </a:ln>
         </p:spPr>
         <p:txBody>
-          <a:bodyPr lIns="45719" rIns="45719" anchor="ctr"/>
+          <a:bodyPr lIns="45718" tIns="45718" rIns="45718" bIns="45718" anchor="ctr"/>
           <a:lstStyle/>
           <a:p>
-            <a:pPr/>
+            <a:pPr>
+              <a:defRPr>
+                <a:latin typeface="Arial"/>
+                <a:ea typeface="Arial"/>
+                <a:cs typeface="Arial"/>
+                <a:sym typeface="Arial"/>
+              </a:defRPr>
+            </a:pPr>
           </a:p>
         </p:txBody>
       </p:sp>
@@ -5293,7 +5295,7 @@
         <p:spPr>
           <a:xfrm>
             <a:off x="4777625" y="4874000"/>
-            <a:ext cx="1251601" cy="246601"/>
+            <a:ext cx="1251602" cy="246602"/>
           </a:xfrm>
           <a:prstGeom prst="rightArrow">
             <a:avLst>
@@ -5311,10 +5313,17 @@
           </a:ln>
         </p:spPr>
         <p:txBody>
-          <a:bodyPr lIns="45719" rIns="45719" anchor="ctr"/>
+          <a:bodyPr lIns="45718" tIns="45718" rIns="45718" bIns="45718" anchor="ctr"/>
           <a:lstStyle/>
           <a:p>
-            <a:pPr/>
+            <a:pPr>
+              <a:defRPr>
+                <a:latin typeface="Arial"/>
+                <a:ea typeface="Arial"/>
+                <a:cs typeface="Arial"/>
+                <a:sym typeface="Arial"/>
+              </a:defRPr>
+            </a:pPr>
           </a:p>
         </p:txBody>
       </p:sp>
@@ -5363,7 +5372,7 @@
         <p:spPr>
           <a:xfrm>
             <a:off x="-1902" y="-3963"/>
-            <a:ext cx="9144001" cy="6861963"/>
+            <a:ext cx="9144001" cy="6861964"/>
           </a:xfrm>
           <a:prstGeom prst="rect">
             <a:avLst/>
@@ -5382,7 +5391,7 @@
         <p:spPr>
           <a:xfrm>
             <a:off x="536775" y="1015800"/>
-            <a:ext cx="7328700" cy="538451"/>
+            <a:ext cx="7328700" cy="538449"/>
           </a:xfrm>
           <a:prstGeom prst="rect">
             <a:avLst/>
@@ -5397,7 +5406,7 @@
           </a:extLst>
         </p:spPr>
         <p:txBody>
-          <a:bodyPr lIns="91424" tIns="91424" rIns="91424" bIns="91424">
+          <a:bodyPr lIns="91423" tIns="91423" rIns="91423" bIns="91423">
             <a:spAutoFit/>
           </a:bodyPr>
           <a:lstStyle>
@@ -5426,8 +5435,8 @@
         </p:nvSpPr>
         <p:spPr>
           <a:xfrm>
-            <a:off x="536774" y="1927200"/>
-            <a:ext cx="4360502" cy="442072"/>
+            <a:off x="536773" y="1927200"/>
+            <a:ext cx="4360504" cy="442070"/>
           </a:xfrm>
           <a:prstGeom prst="rect">
             <a:avLst/>
@@ -5442,14 +5451,19 @@
           </a:extLst>
         </p:spPr>
         <p:txBody>
-          <a:bodyPr lIns="91424" tIns="91424" rIns="91424" bIns="91424">
+          <a:bodyPr lIns="91423" tIns="91423" rIns="91423" bIns="91423">
             <a:spAutoFit/>
           </a:bodyPr>
           <a:lstStyle>
             <a:lvl1pPr marL="457200" indent="-342900">
               <a:buSzPct val="100000"/>
               <a:buChar char="■"/>
-              <a:defRPr sz="1800"/>
+              <a:defRPr sz="1800">
+                <a:latin typeface="Arial"/>
+                <a:ea typeface="Arial"/>
+                <a:cs typeface="Arial"/>
+                <a:sym typeface="Arial"/>
+              </a:defRPr>
             </a:lvl1pPr>
           </a:lstStyle>
           <a:p>
@@ -5462,7 +5476,7 @@
       </p:sp>
       <p:pic>
         <p:nvPicPr>
-          <p:cNvPr id="254" name="image14.jpg" descr="pipe_01.jpg"/>
+          <p:cNvPr id="254" name="image1.jpeg" descr="pipe_01.jpg"/>
           <p:cNvPicPr>
             <a:picLocks noChangeAspect="1"/>
           </p:cNvPicPr>
@@ -5534,7 +5548,7 @@
         <p:spPr>
           <a:xfrm>
             <a:off x="-1902" y="-3963"/>
-            <a:ext cx="9144001" cy="6861963"/>
+            <a:ext cx="9144001" cy="6861964"/>
           </a:xfrm>
           <a:prstGeom prst="rect">
             <a:avLst/>
@@ -5553,7 +5567,7 @@
         <p:spPr>
           <a:xfrm>
             <a:off x="536775" y="1015800"/>
-            <a:ext cx="7328700" cy="538451"/>
+            <a:ext cx="7328700" cy="538449"/>
           </a:xfrm>
           <a:prstGeom prst="rect">
             <a:avLst/>
@@ -5568,7 +5582,7 @@
           </a:extLst>
         </p:spPr>
         <p:txBody>
-          <a:bodyPr lIns="91424" tIns="91424" rIns="91424" bIns="91424">
+          <a:bodyPr lIns="91423" tIns="91423" rIns="91423" bIns="91423">
             <a:spAutoFit/>
           </a:bodyPr>
           <a:lstStyle>
@@ -5598,7 +5612,7 @@
         <p:spPr>
           <a:xfrm>
             <a:off x="536775" y="1927200"/>
-            <a:ext cx="7228800" cy="442072"/>
+            <a:ext cx="7228800" cy="442070"/>
           </a:xfrm>
           <a:prstGeom prst="rect">
             <a:avLst/>
@@ -5613,14 +5627,19 @@
           </a:extLst>
         </p:spPr>
         <p:txBody>
-          <a:bodyPr lIns="91424" tIns="91424" rIns="91424" bIns="91424">
+          <a:bodyPr lIns="91423" tIns="91423" rIns="91423" bIns="91423">
             <a:spAutoFit/>
           </a:bodyPr>
           <a:lstStyle>
             <a:lvl1pPr marL="457200" indent="-342900">
               <a:buSzPct val="100000"/>
               <a:buChar char="■"/>
-              <a:defRPr sz="1800"/>
+              <a:defRPr sz="1800">
+                <a:latin typeface="Arial"/>
+                <a:ea typeface="Arial"/>
+                <a:cs typeface="Arial"/>
+                <a:sym typeface="Arial"/>
+              </a:defRPr>
             </a:lvl1pPr>
           </a:lstStyle>
           <a:p>
@@ -5633,7 +5652,7 @@
       </p:sp>
       <p:pic>
         <p:nvPicPr>
-          <p:cNvPr id="259" name="image22.png" descr="pipe_33.png"/>
+          <p:cNvPr id="259" name="image21.png" descr="pipe_33.png"/>
           <p:cNvPicPr>
             <a:picLocks noChangeAspect="1"/>
           </p:cNvPicPr>
@@ -5649,8 +5668,8 @@
         </p:blipFill>
         <p:spPr>
           <a:xfrm>
-            <a:off x="733425" y="2443161"/>
-            <a:ext cx="5238750" cy="3190876"/>
+            <a:off x="733425" y="2443160"/>
+            <a:ext cx="5238750" cy="3190877"/>
           </a:xfrm>
           <a:prstGeom prst="rect">
             <a:avLst/>
@@ -5705,7 +5724,7 @@
         <p:spPr>
           <a:xfrm>
             <a:off x="-1902" y="-3963"/>
-            <a:ext cx="9144001" cy="6861963"/>
+            <a:ext cx="9144001" cy="6861964"/>
           </a:xfrm>
           <a:prstGeom prst="rect">
             <a:avLst/>
@@ -5724,7 +5743,7 @@
         <p:spPr>
           <a:xfrm>
             <a:off x="536774" y="1015800"/>
-            <a:ext cx="8077801" cy="538451"/>
+            <a:ext cx="8077801" cy="538449"/>
           </a:xfrm>
           <a:prstGeom prst="rect">
             <a:avLst/>
@@ -5739,7 +5758,7 @@
           </a:extLst>
         </p:spPr>
         <p:txBody>
-          <a:bodyPr lIns="91424" tIns="91424" rIns="91424" bIns="91424">
+          <a:bodyPr lIns="91423" tIns="91423" rIns="91423" bIns="91423">
             <a:spAutoFit/>
           </a:bodyPr>
           <a:lstStyle>
@@ -5769,7 +5788,7 @@
         <p:spPr>
           <a:xfrm>
             <a:off x="536775" y="1927200"/>
-            <a:ext cx="7228800" cy="442072"/>
+            <a:ext cx="7228800" cy="442070"/>
           </a:xfrm>
           <a:prstGeom prst="rect">
             <a:avLst/>
@@ -5784,14 +5803,19 @@
           </a:extLst>
         </p:spPr>
         <p:txBody>
-          <a:bodyPr lIns="91424" tIns="91424" rIns="91424" bIns="91424">
+          <a:bodyPr lIns="91423" tIns="91423" rIns="91423" bIns="91423">
             <a:spAutoFit/>
           </a:bodyPr>
           <a:lstStyle>
             <a:lvl1pPr marL="457200" indent="-342900">
               <a:buSzPct val="100000"/>
               <a:buChar char="■"/>
-              <a:defRPr sz="1800"/>
+              <a:defRPr sz="1800">
+                <a:latin typeface="Arial"/>
+                <a:ea typeface="Arial"/>
+                <a:cs typeface="Arial"/>
+                <a:sym typeface="Arial"/>
+              </a:defRPr>
             </a:lvl1pPr>
           </a:lstStyle>
           <a:p>
@@ -5811,7 +5835,7 @@
         <p:spPr>
           <a:xfrm>
             <a:off x="612974" y="2350714"/>
-            <a:ext cx="8077801" cy="1508872"/>
+            <a:ext cx="8077801" cy="1508870"/>
           </a:xfrm>
           <a:prstGeom prst="rect">
             <a:avLst/>
@@ -5826,13 +5850,18 @@
           </a:extLst>
         </p:spPr>
         <p:txBody>
-          <a:bodyPr lIns="91424" tIns="91424" rIns="91424" bIns="91424" anchor="ctr">
+          <a:bodyPr lIns="91423" tIns="91423" rIns="91423" bIns="91423" anchor="ctr">
             <a:spAutoFit/>
           </a:bodyPr>
           <a:lstStyle/>
           <a:p>
             <a:pPr>
-              <a:defRPr sz="1800"/>
+              <a:defRPr sz="1800">
+                <a:latin typeface="Arial"/>
+                <a:ea typeface="Arial"/>
+                <a:cs typeface="Arial"/>
+                <a:sym typeface="Arial"/>
+              </a:defRPr>
             </a:pPr>
             <a:r>
               <a:t>Angular executes a pure pipe only when it detects a pure change to the input value. A pure change is either a change to a primitive input value </a:t>
@@ -5840,7 +5869,12 @@
           </a:p>
           <a:p>
             <a:pPr>
-              <a:defRPr sz="1800"/>
+              <a:defRPr sz="1800">
+                <a:latin typeface="Arial"/>
+                <a:ea typeface="Arial"/>
+                <a:cs typeface="Arial"/>
+                <a:sym typeface="Arial"/>
+              </a:defRPr>
             </a:pPr>
             <a:r>
               <a:t>(String, Number, Boolean, Symbol) or a changed object reference </a:t>
@@ -5848,7 +5882,12 @@
           </a:p>
           <a:p>
             <a:pPr>
-              <a:defRPr sz="1800"/>
+              <a:defRPr sz="1800">
+                <a:latin typeface="Arial"/>
+                <a:ea typeface="Arial"/>
+                <a:cs typeface="Arial"/>
+                <a:sym typeface="Arial"/>
+              </a:defRPr>
             </a:pPr>
             <a:r>
               <a:t>(Date, Array, Function, Object).</a:t>
@@ -5856,7 +5895,12 @@
           </a:p>
           <a:p>
             <a:pPr>
-              <a:defRPr sz="1800"/>
+              <a:defRPr sz="1800">
+                <a:latin typeface="Arial"/>
+                <a:ea typeface="Arial"/>
+                <a:cs typeface="Arial"/>
+                <a:sym typeface="Arial"/>
+              </a:defRPr>
             </a:pPr>
             <a:r>
               <a:t>Pipes are pure by default.</a:t>
@@ -5909,7 +5953,7 @@
         <p:spPr>
           <a:xfrm>
             <a:off x="-1902" y="-3963"/>
-            <a:ext cx="9144001" cy="6861963"/>
+            <a:ext cx="9144001" cy="6861964"/>
           </a:xfrm>
           <a:prstGeom prst="rect">
             <a:avLst/>
@@ -5928,7 +5972,7 @@
         <p:spPr>
           <a:xfrm>
             <a:off x="536774" y="1015800"/>
-            <a:ext cx="8077801" cy="538451"/>
+            <a:ext cx="8077801" cy="538449"/>
           </a:xfrm>
           <a:prstGeom prst="rect">
             <a:avLst/>
@@ -5943,7 +5987,7 @@
           </a:extLst>
         </p:spPr>
         <p:txBody>
-          <a:bodyPr lIns="91424" tIns="91424" rIns="91424" bIns="91424">
+          <a:bodyPr lIns="91423" tIns="91423" rIns="91423" bIns="91423">
             <a:spAutoFit/>
           </a:bodyPr>
           <a:lstStyle>
@@ -5972,8 +6016,8 @@
         </p:nvSpPr>
         <p:spPr>
           <a:xfrm>
-            <a:off x="536775" y="1927200"/>
-            <a:ext cx="7228800" cy="646934"/>
+            <a:off x="536775" y="1927199"/>
+            <a:ext cx="7228800" cy="442071"/>
           </a:xfrm>
           <a:prstGeom prst="rect">
             <a:avLst/>
@@ -5988,14 +6032,19 @@
           </a:extLst>
         </p:spPr>
         <p:txBody>
-          <a:bodyPr lIns="91424" tIns="91424" rIns="91424" bIns="91424">
+          <a:bodyPr lIns="91423" tIns="91423" rIns="91423" bIns="91423">
             <a:spAutoFit/>
           </a:bodyPr>
           <a:lstStyle>
             <a:lvl1pPr marL="457200" indent="-342900">
               <a:buSzPct val="100000"/>
               <a:buChar char="■"/>
-              <a:defRPr sz="1800"/>
+              <a:defRPr sz="1800">
+                <a:latin typeface="Arial"/>
+                <a:ea typeface="Arial"/>
+                <a:cs typeface="Arial"/>
+                <a:sym typeface="Arial"/>
+              </a:defRPr>
             </a:lvl1pPr>
           </a:lstStyle>
           <a:p>
@@ -6014,8 +6063,8 @@
         </p:nvSpPr>
         <p:spPr>
           <a:xfrm>
-            <a:off x="612974" y="2349064"/>
-            <a:ext cx="8077801" cy="975472"/>
+            <a:off x="612974" y="2349063"/>
+            <a:ext cx="8077801" cy="975471"/>
           </a:xfrm>
           <a:prstGeom prst="rect">
             <a:avLst/>
@@ -6030,12 +6079,17 @@
           </a:extLst>
         </p:spPr>
         <p:txBody>
-          <a:bodyPr lIns="91424" tIns="91424" rIns="91424" bIns="91424" anchor="ctr">
+          <a:bodyPr lIns="91423" tIns="91423" rIns="91423" bIns="91423" anchor="ctr">
             <a:spAutoFit/>
           </a:bodyPr>
           <a:lstStyle>
             <a:lvl1pPr>
-              <a:defRPr sz="1800"/>
+              <a:defRPr sz="1800">
+                <a:latin typeface="Arial"/>
+                <a:ea typeface="Arial"/>
+                <a:cs typeface="Arial"/>
+                <a:sym typeface="Arial"/>
+              </a:defRPr>
             </a:lvl1pPr>
           </a:lstStyle>
           <a:p>
@@ -6048,7 +6102,7 @@
       </p:sp>
       <p:pic>
         <p:nvPicPr>
-          <p:cNvPr id="270" name="image23.png" descr="pipe_34.png"/>
+          <p:cNvPr id="270" name="image22.png" descr="pipe_34.png"/>
           <p:cNvPicPr>
             <a:picLocks noChangeAspect="1"/>
           </p:cNvPicPr>
@@ -6120,7 +6174,7 @@
         <p:spPr>
           <a:xfrm>
             <a:off x="-1902" y="-3963"/>
-            <a:ext cx="9144001" cy="6861963"/>
+            <a:ext cx="9144001" cy="6861964"/>
           </a:xfrm>
           <a:prstGeom prst="rect">
             <a:avLst/>
@@ -6139,7 +6193,7 @@
         <p:spPr>
           <a:xfrm>
             <a:off x="536774" y="1015800"/>
-            <a:ext cx="8077801" cy="538451"/>
+            <a:ext cx="8077801" cy="538449"/>
           </a:xfrm>
           <a:prstGeom prst="rect">
             <a:avLst/>
@@ -6154,7 +6208,7 @@
           </a:extLst>
         </p:spPr>
         <p:txBody>
-          <a:bodyPr lIns="91424" tIns="91424" rIns="91424" bIns="91424">
+          <a:bodyPr lIns="91423" tIns="91423" rIns="91423" bIns="91423">
             <a:spAutoFit/>
           </a:bodyPr>
           <a:lstStyle>
@@ -6184,7 +6238,7 @@
         <p:spPr>
           <a:xfrm>
             <a:off x="536774" y="1927200"/>
-            <a:ext cx="6336902" cy="442072"/>
+            <a:ext cx="6336902" cy="442070"/>
           </a:xfrm>
           <a:prstGeom prst="rect">
             <a:avLst/>
@@ -6199,14 +6253,19 @@
           </a:extLst>
         </p:spPr>
         <p:txBody>
-          <a:bodyPr lIns="91424" tIns="91424" rIns="91424" bIns="91424">
+          <a:bodyPr lIns="91423" tIns="91423" rIns="91423" bIns="91423">
             <a:spAutoFit/>
           </a:bodyPr>
           <a:lstStyle>
             <a:lvl1pPr marL="457200" indent="-342900">
               <a:buSzPct val="100000"/>
               <a:buChar char="■"/>
-              <a:defRPr sz="1800"/>
+              <a:defRPr sz="1800">
+                <a:latin typeface="Arial"/>
+                <a:ea typeface="Arial"/>
+                <a:cs typeface="Arial"/>
+                <a:sym typeface="Arial"/>
+              </a:defRPr>
             </a:lvl1pPr>
           </a:lstStyle>
           <a:p>
@@ -6219,7 +6278,7 @@
       </p:sp>
       <p:pic>
         <p:nvPicPr>
-          <p:cNvPr id="275" name="image17.jpg" descr="directive_01.jpg"/>
+          <p:cNvPr id="275" name="image2.jpeg" descr="directive_01.jpg"/>
           <p:cNvPicPr>
             <a:picLocks noChangeAspect="1"/>
           </p:cNvPicPr>
@@ -6236,7 +6295,7 @@
         <p:spPr>
           <a:xfrm>
             <a:off x="5389324" y="2447375"/>
-            <a:ext cx="3394551" cy="3487250"/>
+            <a:ext cx="3394552" cy="3487250"/>
           </a:xfrm>
           <a:prstGeom prst="rect">
             <a:avLst/>
@@ -6248,7 +6307,7 @@
       </p:pic>
       <p:pic>
         <p:nvPicPr>
-          <p:cNvPr id="276" name="image19.png" descr="directive_02.png"/>
+          <p:cNvPr id="276" name="image23.png" descr="directive_02.png"/>
           <p:cNvPicPr>
             <a:picLocks noChangeAspect="1"/>
           </p:cNvPicPr>
@@ -6264,8 +6323,8 @@
         </p:blipFill>
         <p:spPr>
           <a:xfrm>
-            <a:off x="723349" y="2591886"/>
-            <a:ext cx="4038601" cy="857251"/>
+            <a:off x="723349" y="2591885"/>
+            <a:ext cx="4038602" cy="857252"/>
           </a:xfrm>
           <a:prstGeom prst="rect">
             <a:avLst/>
@@ -6320,7 +6379,7 @@
         <p:spPr>
           <a:xfrm>
             <a:off x="-1902" y="-3963"/>
-            <a:ext cx="9144001" cy="6861963"/>
+            <a:ext cx="9144001" cy="6861964"/>
           </a:xfrm>
           <a:prstGeom prst="rect">
             <a:avLst/>
@@ -6339,7 +6398,7 @@
         <p:spPr>
           <a:xfrm>
             <a:off x="536774" y="1015800"/>
-            <a:ext cx="8077801" cy="538451"/>
+            <a:ext cx="8077801" cy="538449"/>
           </a:xfrm>
           <a:prstGeom prst="rect">
             <a:avLst/>
@@ -6354,7 +6413,7 @@
           </a:extLst>
         </p:spPr>
         <p:txBody>
-          <a:bodyPr lIns="91424" tIns="91424" rIns="91424" bIns="91424">
+          <a:bodyPr lIns="91423" tIns="91423" rIns="91423" bIns="91423">
             <a:spAutoFit/>
           </a:bodyPr>
           <a:lstStyle>
@@ -6383,8 +6442,8 @@
         </p:nvSpPr>
         <p:spPr>
           <a:xfrm>
-            <a:off x="536774" y="1927200"/>
-            <a:ext cx="6336902" cy="2575672"/>
+            <a:off x="536774" y="1927199"/>
+            <a:ext cx="6336902" cy="2575671"/>
           </a:xfrm>
           <a:prstGeom prst="rect">
             <a:avLst/>
@@ -6399,7 +6458,7 @@
           </a:extLst>
         </p:spPr>
         <p:txBody>
-          <a:bodyPr lIns="91424" tIns="91424" rIns="91424" bIns="91424">
+          <a:bodyPr lIns="91423" tIns="91423" rIns="91423" bIns="91423">
             <a:spAutoFit/>
           </a:bodyPr>
           <a:lstStyle/>
@@ -6407,51 +6466,102 @@
             <a:pPr marL="457200" indent="-342900">
               <a:buSzPct val="100000"/>
               <a:buChar char="■"/>
-              <a:defRPr sz="1800"/>
+              <a:defRPr sz="1800">
+                <a:latin typeface="Arial"/>
+                <a:ea typeface="Arial"/>
+                <a:cs typeface="Arial"/>
+                <a:sym typeface="Arial"/>
+              </a:defRPr>
             </a:pPr>
             <a:r>
               <a:t>Components</a:t>
             </a:r>
           </a:p>
           <a:p>
-            <a:pPr/>
-            <a:endParaRPr sz="1800"/>
-          </a:p>
-          <a:p>
-            <a:pPr/>
-            <a:endParaRPr sz="1800"/>
-          </a:p>
-          <a:p>
-            <a:pPr/>
-            <a:endParaRPr sz="1800"/>
+            <a:pPr>
+              <a:defRPr sz="1800">
+                <a:latin typeface="Arial"/>
+                <a:ea typeface="Arial"/>
+                <a:cs typeface="Arial"/>
+                <a:sym typeface="Arial"/>
+              </a:defRPr>
+            </a:pPr>
+          </a:p>
+          <a:p>
+            <a:pPr>
+              <a:defRPr sz="1800">
+                <a:latin typeface="Arial"/>
+                <a:ea typeface="Arial"/>
+                <a:cs typeface="Arial"/>
+                <a:sym typeface="Arial"/>
+              </a:defRPr>
+            </a:pPr>
+          </a:p>
+          <a:p>
+            <a:pPr>
+              <a:defRPr sz="1800">
+                <a:latin typeface="Arial"/>
+                <a:ea typeface="Arial"/>
+                <a:cs typeface="Arial"/>
+                <a:sym typeface="Arial"/>
+              </a:defRPr>
+            </a:pPr>
           </a:p>
           <a:p>
             <a:pPr marL="457200" indent="-342900">
               <a:buSzPct val="100000"/>
               <a:buChar char="■"/>
-              <a:defRPr sz="1800"/>
+              <a:defRPr sz="1800">
+                <a:latin typeface="Arial"/>
+                <a:ea typeface="Arial"/>
+                <a:cs typeface="Arial"/>
+                <a:sym typeface="Arial"/>
+              </a:defRPr>
             </a:pPr>
             <a:r>
               <a:t>Structural directives</a:t>
             </a:r>
           </a:p>
           <a:p>
-            <a:pPr/>
-            <a:endParaRPr sz="1800"/>
-          </a:p>
-          <a:p>
-            <a:pPr/>
-            <a:endParaRPr sz="1800"/>
-          </a:p>
-          <a:p>
-            <a:pPr/>
-            <a:endParaRPr sz="1800"/>
+            <a:pPr>
+              <a:defRPr sz="1800">
+                <a:latin typeface="Arial"/>
+                <a:ea typeface="Arial"/>
+                <a:cs typeface="Arial"/>
+                <a:sym typeface="Arial"/>
+              </a:defRPr>
+            </a:pPr>
+          </a:p>
+          <a:p>
+            <a:pPr>
+              <a:defRPr sz="1800">
+                <a:latin typeface="Arial"/>
+                <a:ea typeface="Arial"/>
+                <a:cs typeface="Arial"/>
+                <a:sym typeface="Arial"/>
+              </a:defRPr>
+            </a:pPr>
+          </a:p>
+          <a:p>
+            <a:pPr>
+              <a:defRPr sz="1800">
+                <a:latin typeface="Arial"/>
+                <a:ea typeface="Arial"/>
+                <a:cs typeface="Arial"/>
+                <a:sym typeface="Arial"/>
+              </a:defRPr>
+            </a:pPr>
           </a:p>
           <a:p>
             <a:pPr marL="457200" indent="-342900">
               <a:buSzPct val="100000"/>
               <a:buChar char="■"/>
-              <a:defRPr sz="1800"/>
+              <a:defRPr sz="1800">
+                <a:latin typeface="Arial"/>
+                <a:ea typeface="Arial"/>
+                <a:cs typeface="Arial"/>
+                <a:sym typeface="Arial"/>
+              </a:defRPr>
             </a:pPr>
             <a:r>
               <a:t>Attribute directives</a:t>
@@ -6461,7 +6571,7 @@
       </p:sp>
       <p:pic>
         <p:nvPicPr>
-          <p:cNvPr id="281" name="image18.png" descr="directive_03.png"/>
+          <p:cNvPr id="281" name="image24.png" descr="directive_03.png"/>
           <p:cNvPicPr>
             <a:picLocks noChangeAspect="1"/>
           </p:cNvPicPr>
@@ -6478,7 +6588,7 @@
         <p:spPr>
           <a:xfrm>
             <a:off x="718562" y="2319887"/>
-            <a:ext cx="3857626" cy="638176"/>
+            <a:ext cx="3857627" cy="638177"/>
           </a:xfrm>
           <a:prstGeom prst="rect">
             <a:avLst/>
@@ -6490,7 +6600,7 @@
       </p:pic>
       <p:pic>
         <p:nvPicPr>
-          <p:cNvPr id="282" name="image20.png" descr="directive_04.png"/>
+          <p:cNvPr id="282" name="image25.png" descr="directive_04.png"/>
           <p:cNvPicPr>
             <a:picLocks noChangeAspect="1"/>
           </p:cNvPicPr>
@@ -6507,7 +6617,7 @@
         <p:spPr>
           <a:xfrm>
             <a:off x="723337" y="3503224"/>
-            <a:ext cx="3848101" cy="609601"/>
+            <a:ext cx="3848102" cy="609602"/>
           </a:xfrm>
           <a:prstGeom prst="rect">
             <a:avLst/>
@@ -6519,7 +6629,7 @@
       </p:pic>
       <p:pic>
         <p:nvPicPr>
-          <p:cNvPr id="283" name="image24.png" descr="directive_05.png"/>
+          <p:cNvPr id="283" name="image26.png" descr="directive_05.png"/>
           <p:cNvPicPr>
             <a:picLocks noChangeAspect="1"/>
           </p:cNvPicPr>
@@ -6536,7 +6646,7 @@
         <p:spPr>
           <a:xfrm>
             <a:off x="732874" y="4570024"/>
-            <a:ext cx="3829051" cy="1428751"/>
+            <a:ext cx="3829052" cy="1428752"/>
           </a:xfrm>
           <a:prstGeom prst="rect">
             <a:avLst/>
@@ -6591,7 +6701,7 @@
         <p:spPr>
           <a:xfrm>
             <a:off x="-1902" y="-3963"/>
-            <a:ext cx="9144001" cy="6861963"/>
+            <a:ext cx="9144001" cy="6861964"/>
           </a:xfrm>
           <a:prstGeom prst="rect">
             <a:avLst/>
@@ -6610,7 +6720,7 @@
         <p:spPr>
           <a:xfrm>
             <a:off x="536774" y="1015800"/>
-            <a:ext cx="8380202" cy="538451"/>
+            <a:ext cx="8380201" cy="538449"/>
           </a:xfrm>
           <a:prstGeom prst="rect">
             <a:avLst/>
@@ -6625,7 +6735,7 @@
           </a:extLst>
         </p:spPr>
         <p:txBody>
-          <a:bodyPr lIns="91424" tIns="91424" rIns="91424" bIns="91424">
+          <a:bodyPr lIns="91423" tIns="91423" rIns="91423" bIns="91423">
             <a:spAutoFit/>
           </a:bodyPr>
           <a:lstStyle>
@@ -6648,7 +6758,7 @@
       </p:sp>
       <p:pic>
         <p:nvPicPr>
-          <p:cNvPr id="287" name="image29.png" descr="directive_08.png"/>
+          <p:cNvPr id="287" name="image27.png" descr="directive_08.png"/>
           <p:cNvPicPr>
             <a:picLocks noChangeAspect="1"/>
           </p:cNvPicPr>
@@ -6664,8 +6774,8 @@
         </p:blipFill>
         <p:spPr>
           <a:xfrm>
-            <a:off x="536774" y="2591574"/>
-            <a:ext cx="5208451" cy="2078901"/>
+            <a:off x="536774" y="2591573"/>
+            <a:ext cx="5208452" cy="2078902"/>
           </a:xfrm>
           <a:prstGeom prst="rect">
             <a:avLst/>
@@ -6677,7 +6787,7 @@
       </p:pic>
       <p:pic>
         <p:nvPicPr>
-          <p:cNvPr id="288" name="image32.png" descr="directive_09.png"/>
+          <p:cNvPr id="288" name="image28.png" descr="directive_09.png"/>
           <p:cNvPicPr>
             <a:picLocks noChangeAspect="1"/>
           </p:cNvPicPr>
@@ -6694,7 +6804,7 @@
         <p:spPr>
           <a:xfrm>
             <a:off x="4993899" y="3595275"/>
-            <a:ext cx="4034101" cy="2439801"/>
+            <a:ext cx="4034102" cy="2439802"/>
           </a:xfrm>
           <a:prstGeom prst="rect">
             <a:avLst/>
@@ -6749,7 +6859,7 @@
         <p:spPr>
           <a:xfrm>
             <a:off x="-1902" y="-3963"/>
-            <a:ext cx="9144001" cy="6861963"/>
+            <a:ext cx="9144001" cy="6861964"/>
           </a:xfrm>
           <a:prstGeom prst="rect">
             <a:avLst/>
@@ -6768,7 +6878,7 @@
         <p:spPr>
           <a:xfrm>
             <a:off x="536775" y="1015800"/>
-            <a:ext cx="8489700" cy="538451"/>
+            <a:ext cx="8489700" cy="538449"/>
           </a:xfrm>
           <a:prstGeom prst="rect">
             <a:avLst/>
@@ -6783,7 +6893,7 @@
           </a:extLst>
         </p:spPr>
         <p:txBody>
-          <a:bodyPr lIns="91424" tIns="91424" rIns="91424" bIns="91424">
+          <a:bodyPr lIns="91423" tIns="91423" rIns="91423" bIns="91423">
             <a:spAutoFit/>
           </a:bodyPr>
           <a:lstStyle>
@@ -6806,7 +6916,7 @@
       </p:sp>
       <p:pic>
         <p:nvPicPr>
-          <p:cNvPr id="292" name="image31.jpg" descr="templates_01.jpg"/>
+          <p:cNvPr id="292" name="image3.jpeg" descr="templates_01.jpg"/>
           <p:cNvPicPr>
             <a:picLocks noChangeAspect="1"/>
           </p:cNvPicPr>
@@ -6823,7 +6933,7 @@
         <p:spPr>
           <a:xfrm>
             <a:off x="536774" y="2352566"/>
-            <a:ext cx="8070449" cy="3524466"/>
+            <a:ext cx="8070450" cy="3524466"/>
           </a:xfrm>
           <a:prstGeom prst="rect">
             <a:avLst/>
@@ -6878,7 +6988,7 @@
         <p:spPr>
           <a:xfrm>
             <a:off x="-1902" y="-3963"/>
-            <a:ext cx="9144001" cy="6861963"/>
+            <a:ext cx="9144001" cy="6861964"/>
           </a:xfrm>
           <a:prstGeom prst="rect">
             <a:avLst/>
@@ -6897,7 +7007,7 @@
         <p:spPr>
           <a:xfrm>
             <a:off x="953675" y="1276225"/>
-            <a:ext cx="7587300" cy="3783299"/>
+            <a:ext cx="7587299" cy="3783297"/>
           </a:xfrm>
           <a:prstGeom prst="rect">
             <a:avLst/>
@@ -6912,7 +7022,7 @@
           </a:extLst>
         </p:spPr>
         <p:txBody>
-          <a:bodyPr lIns="91423" tIns="91423" rIns="91423" bIns="91423">
+          <a:bodyPr lIns="91422" tIns="91422" rIns="91422" bIns="91422">
             <a:spAutoFit/>
           </a:bodyPr>
           <a:lstStyle/>
@@ -7105,7 +7215,7 @@
         <p:spPr>
           <a:xfrm>
             <a:off x="5626325" y="1276212"/>
-            <a:ext cx="2914652" cy="2809876"/>
+            <a:ext cx="2914653" cy="2809876"/>
           </a:xfrm>
           <a:prstGeom prst="rect">
             <a:avLst/>
@@ -7160,7 +7270,7 @@
         <p:spPr>
           <a:xfrm>
             <a:off x="-1902" y="-3963"/>
-            <a:ext cx="9144001" cy="6861963"/>
+            <a:ext cx="9144001" cy="6861964"/>
           </a:xfrm>
           <a:prstGeom prst="rect">
             <a:avLst/>
@@ -7179,7 +7289,7 @@
         <p:spPr>
           <a:xfrm>
             <a:off x="536775" y="1015800"/>
-            <a:ext cx="8489700" cy="538451"/>
+            <a:ext cx="8489700" cy="538449"/>
           </a:xfrm>
           <a:prstGeom prst="rect">
             <a:avLst/>
@@ -7194,7 +7304,7 @@
           </a:extLst>
         </p:spPr>
         <p:txBody>
-          <a:bodyPr lIns="91424" tIns="91424" rIns="91424" bIns="91424">
+          <a:bodyPr lIns="91423" tIns="91423" rIns="91423" bIns="91423">
             <a:spAutoFit/>
           </a:bodyPr>
           <a:lstStyle>
@@ -7217,7 +7327,7 @@
       </p:sp>
       <p:pic>
         <p:nvPicPr>
-          <p:cNvPr id="296" name="image30.png" descr="directive_10.png"/>
+          <p:cNvPr id="296" name="image29.png" descr="directive_10.png"/>
           <p:cNvPicPr>
             <a:picLocks noChangeAspect="1"/>
           </p:cNvPicPr>
@@ -7233,8 +7343,8 @@
         </p:blipFill>
         <p:spPr>
           <a:xfrm>
-            <a:off x="536762" y="2017199"/>
-            <a:ext cx="5915026" cy="3314701"/>
+            <a:off x="536762" y="2017198"/>
+            <a:ext cx="5915027" cy="3314703"/>
           </a:xfrm>
           <a:prstGeom prst="rect">
             <a:avLst/>
@@ -7289,7 +7399,7 @@
         <p:spPr>
           <a:xfrm>
             <a:off x="-1902" y="-3963"/>
-            <a:ext cx="9144001" cy="6861963"/>
+            <a:ext cx="9144001" cy="6861964"/>
           </a:xfrm>
           <a:prstGeom prst="rect">
             <a:avLst/>
@@ -7308,7 +7418,7 @@
         <p:spPr>
           <a:xfrm>
             <a:off x="536775" y="1015800"/>
-            <a:ext cx="8489700" cy="538451"/>
+            <a:ext cx="8489700" cy="538449"/>
           </a:xfrm>
           <a:prstGeom prst="rect">
             <a:avLst/>
@@ -7323,7 +7433,7 @@
           </a:extLst>
         </p:spPr>
         <p:txBody>
-          <a:bodyPr lIns="91424" tIns="91424" rIns="91424" bIns="91424">
+          <a:bodyPr lIns="91423" tIns="91423" rIns="91423" bIns="91423">
             <a:spAutoFit/>
           </a:bodyPr>
           <a:lstStyle>
@@ -7346,7 +7456,7 @@
       </p:sp>
       <p:pic>
         <p:nvPicPr>
-          <p:cNvPr id="300" name="image38.png" descr="pipe_36.png"/>
+          <p:cNvPr id="300" name="image30.png" descr="pipe_36.png"/>
           <p:cNvPicPr>
             <a:picLocks noChangeAspect="1"/>
           </p:cNvPicPr>
@@ -7362,8 +7472,8 @@
         </p:blipFill>
         <p:spPr>
           <a:xfrm>
-            <a:off x="765374" y="3131754"/>
-            <a:ext cx="8070450" cy="1813690"/>
+            <a:off x="765374" y="3131753"/>
+            <a:ext cx="8070451" cy="1813692"/>
           </a:xfrm>
           <a:prstGeom prst="rect">
             <a:avLst/>
@@ -7381,8 +7491,8 @@
         </p:nvSpPr>
         <p:spPr>
           <a:xfrm>
-            <a:off x="536775" y="2689399"/>
-            <a:ext cx="8299199" cy="3225035"/>
+            <a:off x="536775" y="2689398"/>
+            <a:ext cx="8299199" cy="3225033"/>
           </a:xfrm>
           <a:prstGeom prst="rect">
             <a:avLst/>
@@ -7397,7 +7507,7 @@
           </a:extLst>
         </p:spPr>
         <p:txBody>
-          <a:bodyPr lIns="91424" tIns="91424" rIns="91424" bIns="91424">
+          <a:bodyPr lIns="91423" tIns="91423" rIns="91423" bIns="91423">
             <a:spAutoFit/>
           </a:bodyPr>
           <a:lstStyle/>
@@ -7405,61 +7515,164 @@
             <a:pPr marL="457200" indent="-228600">
               <a:buSzPct val="100000"/>
               <a:buChar char="■"/>
+              <a:defRPr>
+                <a:latin typeface="Arial"/>
+                <a:ea typeface="Arial"/>
+                <a:cs typeface="Arial"/>
+                <a:sym typeface="Arial"/>
+              </a:defRPr>
             </a:pPr>
             <a:r>
               <a:t>1</a:t>
             </a:r>
           </a:p>
           <a:p>
-            <a:pPr/>
-          </a:p>
-          <a:p>
-            <a:pPr/>
-          </a:p>
-          <a:p>
-            <a:pPr/>
-          </a:p>
-          <a:p>
-            <a:pPr/>
-          </a:p>
-          <a:p>
-            <a:pPr/>
-          </a:p>
-          <a:p>
-            <a:pPr/>
-          </a:p>
-          <a:p>
-            <a:pPr/>
-          </a:p>
-          <a:p>
-            <a:pPr/>
-          </a:p>
-          <a:p>
-            <a:pPr/>
-          </a:p>
-          <a:p>
-            <a:pPr/>
+            <a:pPr>
+              <a:defRPr>
+                <a:latin typeface="Arial"/>
+                <a:ea typeface="Arial"/>
+                <a:cs typeface="Arial"/>
+                <a:sym typeface="Arial"/>
+              </a:defRPr>
+            </a:pPr>
+          </a:p>
+          <a:p>
+            <a:pPr>
+              <a:defRPr>
+                <a:latin typeface="Arial"/>
+                <a:ea typeface="Arial"/>
+                <a:cs typeface="Arial"/>
+                <a:sym typeface="Arial"/>
+              </a:defRPr>
+            </a:pPr>
+          </a:p>
+          <a:p>
+            <a:pPr>
+              <a:defRPr>
+                <a:latin typeface="Arial"/>
+                <a:ea typeface="Arial"/>
+                <a:cs typeface="Arial"/>
+                <a:sym typeface="Arial"/>
+              </a:defRPr>
+            </a:pPr>
+          </a:p>
+          <a:p>
+            <a:pPr>
+              <a:defRPr>
+                <a:latin typeface="Arial"/>
+                <a:ea typeface="Arial"/>
+                <a:cs typeface="Arial"/>
+                <a:sym typeface="Arial"/>
+              </a:defRPr>
+            </a:pPr>
+          </a:p>
+          <a:p>
+            <a:pPr>
+              <a:defRPr>
+                <a:latin typeface="Arial"/>
+                <a:ea typeface="Arial"/>
+                <a:cs typeface="Arial"/>
+                <a:sym typeface="Arial"/>
+              </a:defRPr>
+            </a:pPr>
+          </a:p>
+          <a:p>
+            <a:pPr>
+              <a:defRPr>
+                <a:latin typeface="Arial"/>
+                <a:ea typeface="Arial"/>
+                <a:cs typeface="Arial"/>
+                <a:sym typeface="Arial"/>
+              </a:defRPr>
+            </a:pPr>
+          </a:p>
+          <a:p>
+            <a:pPr>
+              <a:defRPr>
+                <a:latin typeface="Arial"/>
+                <a:ea typeface="Arial"/>
+                <a:cs typeface="Arial"/>
+                <a:sym typeface="Arial"/>
+              </a:defRPr>
+            </a:pPr>
+          </a:p>
+          <a:p>
+            <a:pPr>
+              <a:defRPr>
+                <a:latin typeface="Arial"/>
+                <a:ea typeface="Arial"/>
+                <a:cs typeface="Arial"/>
+                <a:sym typeface="Arial"/>
+              </a:defRPr>
+            </a:pPr>
+          </a:p>
+          <a:p>
+            <a:pPr>
+              <a:defRPr>
+                <a:latin typeface="Arial"/>
+                <a:ea typeface="Arial"/>
+                <a:cs typeface="Arial"/>
+                <a:sym typeface="Arial"/>
+              </a:defRPr>
+            </a:pPr>
+          </a:p>
+          <a:p>
+            <a:pPr>
+              <a:defRPr>
+                <a:latin typeface="Arial"/>
+                <a:ea typeface="Arial"/>
+                <a:cs typeface="Arial"/>
+                <a:sym typeface="Arial"/>
+              </a:defRPr>
+            </a:pPr>
           </a:p>
           <a:p>
             <a:pPr marL="457200" indent="-228600">
               <a:buSzPct val="100000"/>
               <a:buChar char="■"/>
+              <a:defRPr>
+                <a:latin typeface="Arial"/>
+                <a:ea typeface="Arial"/>
+                <a:cs typeface="Arial"/>
+                <a:sym typeface="Arial"/>
+              </a:defRPr>
             </a:pPr>
             <a:r>
               <a:t>2</a:t>
             </a:r>
           </a:p>
           <a:p>
-            <a:pPr/>
-          </a:p>
-          <a:p>
-            <a:pPr/>
+            <a:pPr>
+              <a:defRPr>
+                <a:latin typeface="Arial"/>
+                <a:ea typeface="Arial"/>
+                <a:cs typeface="Arial"/>
+                <a:sym typeface="Arial"/>
+              </a:defRPr>
+            </a:pPr>
+          </a:p>
+          <a:p>
+            <a:pPr>
+              <a:defRPr>
+                <a:latin typeface="Arial"/>
+                <a:ea typeface="Arial"/>
+                <a:cs typeface="Arial"/>
+                <a:sym typeface="Arial"/>
+              </a:defRPr>
+            </a:pPr>
             <a:r>
               <a:t>  Displayed if a &gt; b (a=5, b=3) *ngIf=”a &gt; b”</a:t>
             </a:r>
           </a:p>
           <a:p>
-            <a:pPr/>
+            <a:pPr>
+              <a:defRPr>
+                <a:latin typeface="Arial"/>
+                <a:ea typeface="Arial"/>
+                <a:cs typeface="Arial"/>
+                <a:sym typeface="Arial"/>
+              </a:defRPr>
+            </a:pPr>
             <a:r>
               <a:t>  Displayed if a &gt; b (a=5, b=3)	</a:t>
             </a:r>
@@ -7511,7 +7724,7 @@
         <p:spPr>
           <a:xfrm>
             <a:off x="-1902" y="-3963"/>
-            <a:ext cx="9144001" cy="6861963"/>
+            <a:ext cx="9144001" cy="6861964"/>
           </a:xfrm>
           <a:prstGeom prst="rect">
             <a:avLst/>
@@ -7530,7 +7743,7 @@
         <p:spPr>
           <a:xfrm>
             <a:off x="536775" y="1015800"/>
-            <a:ext cx="8489700" cy="538451"/>
+            <a:ext cx="8489700" cy="538449"/>
           </a:xfrm>
           <a:prstGeom prst="rect">
             <a:avLst/>
@@ -7545,7 +7758,7 @@
           </a:extLst>
         </p:spPr>
         <p:txBody>
-          <a:bodyPr lIns="91424" tIns="91424" rIns="91424" bIns="91424">
+          <a:bodyPr lIns="91423" tIns="91423" rIns="91423" bIns="91423">
             <a:spAutoFit/>
           </a:bodyPr>
           <a:lstStyle>
@@ -7568,7 +7781,7 @@
       </p:sp>
       <p:pic>
         <p:nvPicPr>
-          <p:cNvPr id="305" name="image43.png" descr="pipe_37.png"/>
+          <p:cNvPr id="305" name="image31.png" descr="pipe_37.png"/>
           <p:cNvPicPr>
             <a:picLocks noChangeAspect="1"/>
           </p:cNvPicPr>
@@ -7603,8 +7816,8 @@
         </p:nvSpPr>
         <p:spPr>
           <a:xfrm>
-            <a:off x="536775" y="2715774"/>
-            <a:ext cx="7295099" cy="3428235"/>
+            <a:off x="536775" y="2715773"/>
+            <a:ext cx="7295099" cy="3225033"/>
           </a:xfrm>
           <a:prstGeom prst="rect">
             <a:avLst/>
@@ -7619,7 +7832,7 @@
           </a:extLst>
         </p:spPr>
         <p:txBody>
-          <a:bodyPr lIns="91424" tIns="91424" rIns="91424" bIns="91424">
+          <a:bodyPr lIns="91423" tIns="91423" rIns="91423" bIns="91423">
             <a:spAutoFit/>
           </a:bodyPr>
           <a:lstStyle/>
@@ -7627,61 +7840,164 @@
             <a:pPr marL="457200" indent="-228600">
               <a:buSzPct val="100000"/>
               <a:buChar char="■"/>
+              <a:defRPr>
+                <a:latin typeface="Arial"/>
+                <a:ea typeface="Arial"/>
+                <a:cs typeface="Arial"/>
+                <a:sym typeface="Arial"/>
+              </a:defRPr>
             </a:pPr>
             <a:r>
               <a:t>1</a:t>
             </a:r>
           </a:p>
           <a:p>
-            <a:pPr/>
-          </a:p>
-          <a:p>
-            <a:pPr/>
-          </a:p>
-          <a:p>
-            <a:pPr/>
-          </a:p>
-          <a:p>
-            <a:pPr/>
-          </a:p>
-          <a:p>
-            <a:pPr/>
-          </a:p>
-          <a:p>
-            <a:pPr/>
-          </a:p>
-          <a:p>
-            <a:pPr/>
-          </a:p>
-          <a:p>
-            <a:pPr/>
-          </a:p>
-          <a:p>
-            <a:pPr/>
-          </a:p>
-          <a:p>
-            <a:pPr/>
+            <a:pPr>
+              <a:defRPr>
+                <a:latin typeface="Arial"/>
+                <a:ea typeface="Arial"/>
+                <a:cs typeface="Arial"/>
+                <a:sym typeface="Arial"/>
+              </a:defRPr>
+            </a:pPr>
+          </a:p>
+          <a:p>
+            <a:pPr>
+              <a:defRPr>
+                <a:latin typeface="Arial"/>
+                <a:ea typeface="Arial"/>
+                <a:cs typeface="Arial"/>
+                <a:sym typeface="Arial"/>
+              </a:defRPr>
+            </a:pPr>
+          </a:p>
+          <a:p>
+            <a:pPr>
+              <a:defRPr>
+                <a:latin typeface="Arial"/>
+                <a:ea typeface="Arial"/>
+                <a:cs typeface="Arial"/>
+                <a:sym typeface="Arial"/>
+              </a:defRPr>
+            </a:pPr>
+          </a:p>
+          <a:p>
+            <a:pPr>
+              <a:defRPr>
+                <a:latin typeface="Arial"/>
+                <a:ea typeface="Arial"/>
+                <a:cs typeface="Arial"/>
+                <a:sym typeface="Arial"/>
+              </a:defRPr>
+            </a:pPr>
+          </a:p>
+          <a:p>
+            <a:pPr>
+              <a:defRPr>
+                <a:latin typeface="Arial"/>
+                <a:ea typeface="Arial"/>
+                <a:cs typeface="Arial"/>
+                <a:sym typeface="Arial"/>
+              </a:defRPr>
+            </a:pPr>
+          </a:p>
+          <a:p>
+            <a:pPr>
+              <a:defRPr>
+                <a:latin typeface="Arial"/>
+                <a:ea typeface="Arial"/>
+                <a:cs typeface="Arial"/>
+                <a:sym typeface="Arial"/>
+              </a:defRPr>
+            </a:pPr>
+          </a:p>
+          <a:p>
+            <a:pPr>
+              <a:defRPr>
+                <a:latin typeface="Arial"/>
+                <a:ea typeface="Arial"/>
+                <a:cs typeface="Arial"/>
+                <a:sym typeface="Arial"/>
+              </a:defRPr>
+            </a:pPr>
+          </a:p>
+          <a:p>
+            <a:pPr>
+              <a:defRPr>
+                <a:latin typeface="Arial"/>
+                <a:ea typeface="Arial"/>
+                <a:cs typeface="Arial"/>
+                <a:sym typeface="Arial"/>
+              </a:defRPr>
+            </a:pPr>
+          </a:p>
+          <a:p>
+            <a:pPr>
+              <a:defRPr>
+                <a:latin typeface="Arial"/>
+                <a:ea typeface="Arial"/>
+                <a:cs typeface="Arial"/>
+                <a:sym typeface="Arial"/>
+              </a:defRPr>
+            </a:pPr>
+          </a:p>
+          <a:p>
+            <a:pPr>
+              <a:defRPr>
+                <a:latin typeface="Arial"/>
+                <a:ea typeface="Arial"/>
+                <a:cs typeface="Arial"/>
+                <a:sym typeface="Arial"/>
+              </a:defRPr>
+            </a:pPr>
           </a:p>
           <a:p>
             <a:pPr marL="457200" indent="-228600">
               <a:buSzPct val="100000"/>
               <a:buChar char="■"/>
+              <a:defRPr>
+                <a:latin typeface="Arial"/>
+                <a:ea typeface="Arial"/>
+                <a:cs typeface="Arial"/>
+                <a:sym typeface="Arial"/>
+              </a:defRPr>
             </a:pPr>
             <a:r>
               <a:t>2</a:t>
             </a:r>
           </a:p>
           <a:p>
-            <a:pPr/>
-          </a:p>
-          <a:p>
-            <a:pPr/>
+            <a:pPr>
+              <a:defRPr>
+                <a:latin typeface="Arial"/>
+                <a:ea typeface="Arial"/>
+                <a:cs typeface="Arial"/>
+                <a:sym typeface="Arial"/>
+              </a:defRPr>
+            </a:pPr>
+          </a:p>
+          <a:p>
+            <a:pPr>
+              <a:defRPr>
+                <a:latin typeface="Arial"/>
+                <a:ea typeface="Arial"/>
+                <a:cs typeface="Arial"/>
+                <a:sym typeface="Arial"/>
+              </a:defRPr>
+            </a:pPr>
             <a:r>
               <a:t>  Displayed if str is equal the string “yes” *ngIf=”yesString==’yes’”</a:t>
             </a:r>
           </a:p>
           <a:p>
-            <a:pPr/>
+            <a:pPr>
+              <a:defRPr>
+                <a:latin typeface="Arial"/>
+                <a:ea typeface="Arial"/>
+                <a:cs typeface="Arial"/>
+                <a:sym typeface="Arial"/>
+              </a:defRPr>
+            </a:pPr>
             <a:r>
               <a:t>  Displayed if str holds the string “yes”</a:t>
             </a:r>
@@ -7733,7 +8049,7 @@
         <p:spPr>
           <a:xfrm>
             <a:off x="-1902" y="-3963"/>
-            <a:ext cx="9144001" cy="6861963"/>
+            <a:ext cx="9144001" cy="6861964"/>
           </a:xfrm>
           <a:prstGeom prst="rect">
             <a:avLst/>
@@ -7752,7 +8068,7 @@
         <p:spPr>
           <a:xfrm>
             <a:off x="536775" y="1015800"/>
-            <a:ext cx="8489700" cy="538451"/>
+            <a:ext cx="8489700" cy="538449"/>
           </a:xfrm>
           <a:prstGeom prst="rect">
             <a:avLst/>
@@ -7767,7 +8083,7 @@
           </a:extLst>
         </p:spPr>
         <p:txBody>
-          <a:bodyPr lIns="91424" tIns="91424" rIns="91424" bIns="91424">
+          <a:bodyPr lIns="91423" tIns="91423" rIns="91423" bIns="91423">
             <a:spAutoFit/>
           </a:bodyPr>
           <a:lstStyle>
@@ -7790,7 +8106,7 @@
       </p:sp>
       <p:pic>
         <p:nvPicPr>
-          <p:cNvPr id="310" name="image39.png" descr="pipe_38.png"/>
+          <p:cNvPr id="310" name="image32.png" descr="pipe_38.png"/>
           <p:cNvPicPr>
             <a:picLocks noChangeAspect="1"/>
           </p:cNvPicPr>
@@ -7806,8 +8122,8 @@
         </p:blipFill>
         <p:spPr>
           <a:xfrm>
-            <a:off x="765374" y="3202803"/>
-            <a:ext cx="8070451" cy="1671591"/>
+            <a:off x="765374" y="3202802"/>
+            <a:ext cx="8070451" cy="1671592"/>
           </a:xfrm>
           <a:prstGeom prst="rect">
             <a:avLst/>
@@ -7825,8 +8141,8 @@
         </p:nvSpPr>
         <p:spPr>
           <a:xfrm>
-            <a:off x="536775" y="2715774"/>
-            <a:ext cx="7295099" cy="3428235"/>
+            <a:off x="536775" y="2715773"/>
+            <a:ext cx="7295099" cy="3225033"/>
           </a:xfrm>
           <a:prstGeom prst="rect">
             <a:avLst/>
@@ -7841,7 +8157,7 @@
           </a:extLst>
         </p:spPr>
         <p:txBody>
-          <a:bodyPr lIns="91424" tIns="91424" rIns="91424" bIns="91424">
+          <a:bodyPr lIns="91423" tIns="91423" rIns="91423" bIns="91423">
             <a:spAutoFit/>
           </a:bodyPr>
           <a:lstStyle/>
@@ -7849,61 +8165,164 @@
             <a:pPr marL="457200" indent="-228600">
               <a:buSzPct val="100000"/>
               <a:buChar char="■"/>
+              <a:defRPr>
+                <a:latin typeface="Arial"/>
+                <a:ea typeface="Arial"/>
+                <a:cs typeface="Arial"/>
+                <a:sym typeface="Arial"/>
+              </a:defRPr>
             </a:pPr>
             <a:r>
               <a:t>1</a:t>
             </a:r>
           </a:p>
           <a:p>
-            <a:pPr/>
-          </a:p>
-          <a:p>
-            <a:pPr/>
-          </a:p>
-          <a:p>
-            <a:pPr/>
-          </a:p>
-          <a:p>
-            <a:pPr/>
-          </a:p>
-          <a:p>
-            <a:pPr/>
-          </a:p>
-          <a:p>
-            <a:pPr/>
-          </a:p>
-          <a:p>
-            <a:pPr/>
-          </a:p>
-          <a:p>
-            <a:pPr/>
-          </a:p>
-          <a:p>
-            <a:pPr/>
-          </a:p>
-          <a:p>
-            <a:pPr/>
+            <a:pPr>
+              <a:defRPr>
+                <a:latin typeface="Arial"/>
+                <a:ea typeface="Arial"/>
+                <a:cs typeface="Arial"/>
+                <a:sym typeface="Arial"/>
+              </a:defRPr>
+            </a:pPr>
+          </a:p>
+          <a:p>
+            <a:pPr>
+              <a:defRPr>
+                <a:latin typeface="Arial"/>
+                <a:ea typeface="Arial"/>
+                <a:cs typeface="Arial"/>
+                <a:sym typeface="Arial"/>
+              </a:defRPr>
+            </a:pPr>
+          </a:p>
+          <a:p>
+            <a:pPr>
+              <a:defRPr>
+                <a:latin typeface="Arial"/>
+                <a:ea typeface="Arial"/>
+                <a:cs typeface="Arial"/>
+                <a:sym typeface="Arial"/>
+              </a:defRPr>
+            </a:pPr>
+          </a:p>
+          <a:p>
+            <a:pPr>
+              <a:defRPr>
+                <a:latin typeface="Arial"/>
+                <a:ea typeface="Arial"/>
+                <a:cs typeface="Arial"/>
+                <a:sym typeface="Arial"/>
+              </a:defRPr>
+            </a:pPr>
+          </a:p>
+          <a:p>
+            <a:pPr>
+              <a:defRPr>
+                <a:latin typeface="Arial"/>
+                <a:ea typeface="Arial"/>
+                <a:cs typeface="Arial"/>
+                <a:sym typeface="Arial"/>
+              </a:defRPr>
+            </a:pPr>
+          </a:p>
+          <a:p>
+            <a:pPr>
+              <a:defRPr>
+                <a:latin typeface="Arial"/>
+                <a:ea typeface="Arial"/>
+                <a:cs typeface="Arial"/>
+                <a:sym typeface="Arial"/>
+              </a:defRPr>
+            </a:pPr>
+          </a:p>
+          <a:p>
+            <a:pPr>
+              <a:defRPr>
+                <a:latin typeface="Arial"/>
+                <a:ea typeface="Arial"/>
+                <a:cs typeface="Arial"/>
+                <a:sym typeface="Arial"/>
+              </a:defRPr>
+            </a:pPr>
+          </a:p>
+          <a:p>
+            <a:pPr>
+              <a:defRPr>
+                <a:latin typeface="Arial"/>
+                <a:ea typeface="Arial"/>
+                <a:cs typeface="Arial"/>
+                <a:sym typeface="Arial"/>
+              </a:defRPr>
+            </a:pPr>
+          </a:p>
+          <a:p>
+            <a:pPr>
+              <a:defRPr>
+                <a:latin typeface="Arial"/>
+                <a:ea typeface="Arial"/>
+                <a:cs typeface="Arial"/>
+                <a:sym typeface="Arial"/>
+              </a:defRPr>
+            </a:pPr>
+          </a:p>
+          <a:p>
+            <a:pPr>
+              <a:defRPr>
+                <a:latin typeface="Arial"/>
+                <a:ea typeface="Arial"/>
+                <a:cs typeface="Arial"/>
+                <a:sym typeface="Arial"/>
+              </a:defRPr>
+            </a:pPr>
           </a:p>
           <a:p>
             <a:pPr marL="457200" indent="-228600">
               <a:buSzPct val="100000"/>
               <a:buChar char="■"/>
+              <a:defRPr>
+                <a:latin typeface="Arial"/>
+                <a:ea typeface="Arial"/>
+                <a:cs typeface="Arial"/>
+                <a:sym typeface="Arial"/>
+              </a:defRPr>
             </a:pPr>
             <a:r>
               <a:t>2</a:t>
             </a:r>
           </a:p>
           <a:p>
-            <a:pPr/>
-          </a:p>
-          <a:p>
-            <a:pPr/>
+            <a:pPr>
+              <a:defRPr>
+                <a:latin typeface="Arial"/>
+                <a:ea typeface="Arial"/>
+                <a:cs typeface="Arial"/>
+                <a:sym typeface="Arial"/>
+              </a:defRPr>
+            </a:pPr>
+          </a:p>
+          <a:p>
+            <a:pPr>
+              <a:defRPr>
+                <a:latin typeface="Arial"/>
+                <a:ea typeface="Arial"/>
+                <a:cs typeface="Arial"/>
+                <a:sym typeface="Arial"/>
+              </a:defRPr>
+            </a:pPr>
             <a:r>
               <a:t>  Displayed getTrueOrFalse returns a true value</a:t>
             </a:r>
           </a:p>
           <a:p>
-            <a:pPr/>
+            <a:pPr>
+              <a:defRPr>
+                <a:latin typeface="Arial"/>
+                <a:ea typeface="Arial"/>
+                <a:cs typeface="Arial"/>
+                <a:sym typeface="Arial"/>
+              </a:defRPr>
+            </a:pPr>
             <a:r>
               <a:t>  Displayed getTrueOrFalse returns a false value</a:t>
             </a:r>
@@ -7955,7 +8374,7 @@
         <p:spPr>
           <a:xfrm>
             <a:off x="-1902" y="-3963"/>
-            <a:ext cx="9144001" cy="6861963"/>
+            <a:ext cx="9144001" cy="6861964"/>
           </a:xfrm>
           <a:prstGeom prst="rect">
             <a:avLst/>
@@ -7974,7 +8393,7 @@
         <p:spPr>
           <a:xfrm>
             <a:off x="536775" y="1015800"/>
-            <a:ext cx="8489700" cy="538451"/>
+            <a:ext cx="8489700" cy="538449"/>
           </a:xfrm>
           <a:prstGeom prst="rect">
             <a:avLst/>
@@ -7989,7 +8408,7 @@
           </a:extLst>
         </p:spPr>
         <p:txBody>
-          <a:bodyPr lIns="91424" tIns="91424" rIns="91424" bIns="91424">
+          <a:bodyPr lIns="91423" tIns="91423" rIns="91423" bIns="91423">
             <a:spAutoFit/>
           </a:bodyPr>
           <a:lstStyle>
@@ -8012,7 +8431,7 @@
       </p:sp>
       <p:pic>
         <p:nvPicPr>
-          <p:cNvPr id="315" name="image34.png" descr="pipe_39.png"/>
+          <p:cNvPr id="315" name="image33.png" descr="pipe_39.png"/>
           <p:cNvPicPr>
             <a:picLocks noChangeAspect="1"/>
           </p:cNvPicPr>
@@ -8029,7 +8448,7 @@
         <p:spPr>
           <a:xfrm>
             <a:off x="765373" y="4694339"/>
-            <a:ext cx="8070477" cy="1431722"/>
+            <a:ext cx="8070478" cy="1431723"/>
           </a:xfrm>
           <a:prstGeom prst="rect">
             <a:avLst/>
@@ -8041,7 +8460,7 @@
       </p:pic>
       <p:pic>
         <p:nvPicPr>
-          <p:cNvPr id="316" name="image36.png" descr="pipe_40.png"/>
+          <p:cNvPr id="316" name="image34.png" descr="pipe_40.png"/>
           <p:cNvPicPr>
             <a:picLocks noChangeAspect="1"/>
           </p:cNvPicPr>
@@ -8057,8 +8476,8 @@
         </p:blipFill>
         <p:spPr>
           <a:xfrm>
-            <a:off x="763461" y="2828713"/>
-            <a:ext cx="8070475" cy="1610722"/>
+            <a:off x="763461" y="2828712"/>
+            <a:ext cx="8070475" cy="1610724"/>
           </a:xfrm>
           <a:prstGeom prst="rect">
             <a:avLst/>
@@ -8077,7 +8496,7 @@
         <p:spPr>
           <a:xfrm>
             <a:off x="536774" y="2469775"/>
-            <a:ext cx="8530502" cy="2209034"/>
+            <a:ext cx="8530502" cy="2209032"/>
           </a:xfrm>
           <a:prstGeom prst="rect">
             <a:avLst/>
@@ -8092,7 +8511,7 @@
           </a:extLst>
         </p:spPr>
         <p:txBody>
-          <a:bodyPr lIns="91424" tIns="91424" rIns="91424" bIns="91424">
+          <a:bodyPr lIns="91423" tIns="91423" rIns="91423" bIns="91423">
             <a:spAutoFit/>
           </a:bodyPr>
           <a:lstStyle/>
@@ -8100,39 +8519,107 @@
             <a:pPr marL="457200" indent="-228600">
               <a:buSzPct val="100000"/>
               <a:buChar char="■"/>
+              <a:defRPr>
+                <a:latin typeface="Arial"/>
+                <a:ea typeface="Arial"/>
+                <a:cs typeface="Arial"/>
+                <a:sym typeface="Arial"/>
+              </a:defRPr>
             </a:pPr>
             <a:r>
               <a:t>1</a:t>
             </a:r>
           </a:p>
           <a:p>
-            <a:pPr/>
-          </a:p>
-          <a:p>
-            <a:pPr/>
-          </a:p>
-          <a:p>
-            <a:pPr/>
-          </a:p>
-          <a:p>
-            <a:pPr/>
-          </a:p>
-          <a:p>
-            <a:pPr/>
-          </a:p>
-          <a:p>
-            <a:pPr/>
-          </a:p>
-          <a:p>
-            <a:pPr/>
-          </a:p>
-          <a:p>
-            <a:pPr/>
+            <a:pPr>
+              <a:defRPr>
+                <a:latin typeface="Arial"/>
+                <a:ea typeface="Arial"/>
+                <a:cs typeface="Arial"/>
+                <a:sym typeface="Arial"/>
+              </a:defRPr>
+            </a:pPr>
+          </a:p>
+          <a:p>
+            <a:pPr>
+              <a:defRPr>
+                <a:latin typeface="Arial"/>
+                <a:ea typeface="Arial"/>
+                <a:cs typeface="Arial"/>
+                <a:sym typeface="Arial"/>
+              </a:defRPr>
+            </a:pPr>
+          </a:p>
+          <a:p>
+            <a:pPr>
+              <a:defRPr>
+                <a:latin typeface="Arial"/>
+                <a:ea typeface="Arial"/>
+                <a:cs typeface="Arial"/>
+                <a:sym typeface="Arial"/>
+              </a:defRPr>
+            </a:pPr>
+          </a:p>
+          <a:p>
+            <a:pPr>
+              <a:defRPr>
+                <a:latin typeface="Arial"/>
+                <a:ea typeface="Arial"/>
+                <a:cs typeface="Arial"/>
+                <a:sym typeface="Arial"/>
+              </a:defRPr>
+            </a:pPr>
+          </a:p>
+          <a:p>
+            <a:pPr>
+              <a:defRPr>
+                <a:latin typeface="Arial"/>
+                <a:ea typeface="Arial"/>
+                <a:cs typeface="Arial"/>
+                <a:sym typeface="Arial"/>
+              </a:defRPr>
+            </a:pPr>
+          </a:p>
+          <a:p>
+            <a:pPr>
+              <a:defRPr>
+                <a:latin typeface="Arial"/>
+                <a:ea typeface="Arial"/>
+                <a:cs typeface="Arial"/>
+                <a:sym typeface="Arial"/>
+              </a:defRPr>
+            </a:pPr>
+          </a:p>
+          <a:p>
+            <a:pPr>
+              <a:defRPr>
+                <a:latin typeface="Arial"/>
+                <a:ea typeface="Arial"/>
+                <a:cs typeface="Arial"/>
+                <a:sym typeface="Arial"/>
+              </a:defRPr>
+            </a:pPr>
+          </a:p>
+          <a:p>
+            <a:pPr>
+              <a:defRPr>
+                <a:latin typeface="Arial"/>
+                <a:ea typeface="Arial"/>
+                <a:cs typeface="Arial"/>
+                <a:sym typeface="Arial"/>
+              </a:defRPr>
+            </a:pPr>
           </a:p>
           <a:p>
             <a:pPr marL="457200" indent="-228600">
               <a:buSzPct val="100000"/>
               <a:buChar char="■"/>
+              <a:defRPr>
+                <a:latin typeface="Arial"/>
+                <a:ea typeface="Arial"/>
+                <a:cs typeface="Arial"/>
+                <a:sym typeface="Arial"/>
+              </a:defRPr>
             </a:pPr>
             <a:r>
               <a:t>2</a:t>
@@ -8184,8 +8671,8 @@
         </p:blipFill>
         <p:spPr>
           <a:xfrm>
-            <a:off x="-205101" y="-1981"/>
-            <a:ext cx="9144001" cy="6861962"/>
+            <a:off x="-205101" y="-1982"/>
+            <a:ext cx="9144001" cy="6861963"/>
           </a:xfrm>
           <a:prstGeom prst="rect">
             <a:avLst/>
@@ -8204,7 +8691,7 @@
         <p:spPr>
           <a:xfrm>
             <a:off x="536775" y="1015800"/>
-            <a:ext cx="8489700" cy="538451"/>
+            <a:ext cx="8489700" cy="538449"/>
           </a:xfrm>
           <a:prstGeom prst="rect">
             <a:avLst/>
@@ -8219,7 +8706,7 @@
           </a:extLst>
         </p:spPr>
         <p:txBody>
-          <a:bodyPr lIns="91424" tIns="91424" rIns="91424" bIns="91424">
+          <a:bodyPr lIns="91423" tIns="91423" rIns="91423" bIns="91423">
             <a:spAutoFit/>
           </a:bodyPr>
           <a:lstStyle>
@@ -8259,7 +8746,7 @@
         <p:spPr>
           <a:xfrm>
             <a:off x="536774" y="2692904"/>
-            <a:ext cx="8070452" cy="1472193"/>
+            <a:ext cx="8070453" cy="1472194"/>
           </a:xfrm>
           <a:prstGeom prst="rect">
             <a:avLst/>
@@ -8271,7 +8758,7 @@
       </p:pic>
       <p:pic>
         <p:nvPicPr>
-          <p:cNvPr id="322" name="image33.png" descr="pipe_43.png"/>
+          <p:cNvPr id="322" name="image36.png" descr="pipe_43.png"/>
           <p:cNvPicPr>
             <a:picLocks noChangeAspect="1"/>
           </p:cNvPicPr>
@@ -8288,7 +8775,7 @@
         <p:spPr>
           <a:xfrm>
             <a:off x="3492286" y="3784224"/>
-            <a:ext cx="5114926" cy="2362201"/>
+            <a:ext cx="5114927" cy="2362202"/>
           </a:xfrm>
           <a:prstGeom prst="rect">
             <a:avLst/>
@@ -8317,7 +8804,7 @@
         <p:spPr>
           <a:xfrm>
             <a:off x="225212" y="4143662"/>
-            <a:ext cx="3267076" cy="1628776"/>
+            <a:ext cx="3267077" cy="1628777"/>
           </a:xfrm>
           <a:prstGeom prst="rect">
             <a:avLst/>
@@ -8372,7 +8859,7 @@
         <p:spPr>
           <a:xfrm>
             <a:off x="-1902" y="-3963"/>
-            <a:ext cx="9144001" cy="6861963"/>
+            <a:ext cx="9144001" cy="6861964"/>
           </a:xfrm>
           <a:prstGeom prst="rect">
             <a:avLst/>
@@ -8390,8 +8877,8 @@
         </p:nvSpPr>
         <p:spPr>
           <a:xfrm>
-            <a:off x="308174" y="1015800"/>
-            <a:ext cx="8605202" cy="894051"/>
+            <a:off x="308174" y="1015799"/>
+            <a:ext cx="8605202" cy="894049"/>
           </a:xfrm>
           <a:prstGeom prst="rect">
             <a:avLst/>
@@ -8406,7 +8893,7 @@
           </a:extLst>
         </p:spPr>
         <p:txBody>
-          <a:bodyPr lIns="91424" tIns="91424" rIns="91424" bIns="91424">
+          <a:bodyPr lIns="91423" tIns="91423" rIns="91423" bIns="91423">
             <a:spAutoFit/>
           </a:bodyPr>
           <a:lstStyle>
@@ -8429,7 +8916,7 @@
       </p:sp>
       <p:pic>
         <p:nvPicPr>
-          <p:cNvPr id="327" name="image41.png" descr="pipe_47.png"/>
+          <p:cNvPr id="327" name="image38.png" descr="pipe_47.png"/>
           <p:cNvPicPr>
             <a:picLocks noChangeAspect="1"/>
           </p:cNvPicPr>
@@ -8458,7 +8945,7 @@
       </p:pic>
       <p:pic>
         <p:nvPicPr>
-          <p:cNvPr id="328" name="image40.png" descr="pipe_48.png"/>
+          <p:cNvPr id="328" name="image39.png" descr="pipe_48.png"/>
           <p:cNvPicPr>
             <a:picLocks noChangeAspect="1"/>
           </p:cNvPicPr>
@@ -8474,8 +8961,8 @@
         </p:blipFill>
         <p:spPr>
           <a:xfrm>
-            <a:off x="379300" y="4188224"/>
-            <a:ext cx="2819401" cy="1543051"/>
+            <a:off x="379300" y="4188223"/>
+            <a:ext cx="2819401" cy="1543052"/>
           </a:xfrm>
           <a:prstGeom prst="rect">
             <a:avLst/>
@@ -8487,7 +8974,7 @@
       </p:pic>
       <p:pic>
         <p:nvPicPr>
-          <p:cNvPr id="329" name="image44.png" descr="pipe_48.png"/>
+          <p:cNvPr id="329" name="image40.png" descr="pipe_48.png"/>
           <p:cNvPicPr>
             <a:picLocks noChangeAspect="1"/>
           </p:cNvPicPr>
@@ -8504,7 +8991,7 @@
         <p:spPr>
           <a:xfrm>
             <a:off x="3274900" y="4226493"/>
-            <a:ext cx="5504351" cy="1999915"/>
+            <a:ext cx="5504351" cy="1999916"/>
           </a:xfrm>
           <a:prstGeom prst="rect">
             <a:avLst/>
@@ -8559,7 +9046,7 @@
         <p:spPr>
           <a:xfrm>
             <a:off x="-1902" y="-3963"/>
-            <a:ext cx="9144001" cy="6861963"/>
+            <a:ext cx="9144001" cy="6861964"/>
           </a:xfrm>
           <a:prstGeom prst="rect">
             <a:avLst/>
@@ -8578,7 +9065,7 @@
         <p:spPr>
           <a:xfrm>
             <a:off x="308174" y="1015800"/>
-            <a:ext cx="8605202" cy="538451"/>
+            <a:ext cx="8605202" cy="538449"/>
           </a:xfrm>
           <a:prstGeom prst="rect">
             <a:avLst/>
@@ -8593,7 +9080,7 @@
           </a:extLst>
         </p:spPr>
         <p:txBody>
-          <a:bodyPr lIns="91424" tIns="91424" rIns="91424" bIns="91424">
+          <a:bodyPr lIns="91423" tIns="91423" rIns="91423" bIns="91423">
             <a:spAutoFit/>
           </a:bodyPr>
           <a:lstStyle>
@@ -8616,7 +9103,7 @@
       </p:sp>
       <p:pic>
         <p:nvPicPr>
-          <p:cNvPr id="333" name="image47.png" descr="pipe_49.png"/>
+          <p:cNvPr id="333" name="image41.png" descr="pipe_49.png"/>
           <p:cNvPicPr>
             <a:picLocks noChangeAspect="1"/>
           </p:cNvPicPr>
@@ -8662,7 +9149,7 @@
         <p:spPr>
           <a:xfrm>
             <a:off x="479624" y="4455762"/>
-            <a:ext cx="6648451" cy="847726"/>
+            <a:ext cx="6648451" cy="847727"/>
           </a:xfrm>
           <a:prstGeom prst="rect">
             <a:avLst/>
@@ -8674,7 +9161,7 @@
       </p:pic>
       <p:pic>
         <p:nvPicPr>
-          <p:cNvPr id="335" name="image45.png" descr="pipe_51.png"/>
+          <p:cNvPr id="335" name="image43.png" descr="pipe_51.png"/>
           <p:cNvPicPr>
             <a:picLocks noChangeAspect="1"/>
           </p:cNvPicPr>
@@ -8691,7 +9178,7 @@
         <p:spPr>
           <a:xfrm>
             <a:off x="479624" y="3679437"/>
-            <a:ext cx="6705601" cy="533401"/>
+            <a:ext cx="6705601" cy="533402"/>
           </a:xfrm>
           <a:prstGeom prst="rect">
             <a:avLst/>
@@ -8710,7 +9197,7 @@
         <p:spPr>
           <a:xfrm>
             <a:off x="270850" y="2465912"/>
-            <a:ext cx="8679900" cy="2005834"/>
+            <a:ext cx="8679900" cy="2005832"/>
           </a:xfrm>
           <a:prstGeom prst="rect">
             <a:avLst/>
@@ -8725,7 +9212,7 @@
           </a:extLst>
         </p:spPr>
         <p:txBody>
-          <a:bodyPr lIns="91424" tIns="91424" rIns="91424" bIns="91424">
+          <a:bodyPr lIns="91423" tIns="91423" rIns="91423" bIns="91423">
             <a:spAutoFit/>
           </a:bodyPr>
           <a:lstStyle/>
@@ -8733,36 +9220,97 @@
             <a:pPr marL="457200" indent="-228600">
               <a:buSzPct val="100000"/>
               <a:buChar char="■"/>
+              <a:defRPr>
+                <a:latin typeface="Arial"/>
+                <a:ea typeface="Arial"/>
+                <a:cs typeface="Arial"/>
+                <a:sym typeface="Arial"/>
+              </a:defRPr>
             </a:pPr>
             <a:r>
               <a:t>1</a:t>
             </a:r>
           </a:p>
           <a:p>
-            <a:pPr/>
-          </a:p>
-          <a:p>
-            <a:pPr/>
-          </a:p>
-          <a:p>
-            <a:pPr/>
-          </a:p>
-          <a:p>
-            <a:pPr/>
-          </a:p>
-          <a:p>
-            <a:pPr/>
-          </a:p>
-          <a:p>
-            <a:pPr/>
-          </a:p>
-          <a:p>
-            <a:pPr/>
+            <a:pPr>
+              <a:defRPr>
+                <a:latin typeface="Arial"/>
+                <a:ea typeface="Arial"/>
+                <a:cs typeface="Arial"/>
+                <a:sym typeface="Arial"/>
+              </a:defRPr>
+            </a:pPr>
+          </a:p>
+          <a:p>
+            <a:pPr>
+              <a:defRPr>
+                <a:latin typeface="Arial"/>
+                <a:ea typeface="Arial"/>
+                <a:cs typeface="Arial"/>
+                <a:sym typeface="Arial"/>
+              </a:defRPr>
+            </a:pPr>
+          </a:p>
+          <a:p>
+            <a:pPr>
+              <a:defRPr>
+                <a:latin typeface="Arial"/>
+                <a:ea typeface="Arial"/>
+                <a:cs typeface="Arial"/>
+                <a:sym typeface="Arial"/>
+              </a:defRPr>
+            </a:pPr>
+          </a:p>
+          <a:p>
+            <a:pPr>
+              <a:defRPr>
+                <a:latin typeface="Arial"/>
+                <a:ea typeface="Arial"/>
+                <a:cs typeface="Arial"/>
+                <a:sym typeface="Arial"/>
+              </a:defRPr>
+            </a:pPr>
+          </a:p>
+          <a:p>
+            <a:pPr>
+              <a:defRPr>
+                <a:latin typeface="Arial"/>
+                <a:ea typeface="Arial"/>
+                <a:cs typeface="Arial"/>
+                <a:sym typeface="Arial"/>
+              </a:defRPr>
+            </a:pPr>
+          </a:p>
+          <a:p>
+            <a:pPr>
+              <a:defRPr>
+                <a:latin typeface="Arial"/>
+                <a:ea typeface="Arial"/>
+                <a:cs typeface="Arial"/>
+                <a:sym typeface="Arial"/>
+              </a:defRPr>
+            </a:pPr>
+          </a:p>
+          <a:p>
+            <a:pPr>
+              <a:defRPr>
+                <a:latin typeface="Arial"/>
+                <a:ea typeface="Arial"/>
+                <a:cs typeface="Arial"/>
+                <a:sym typeface="Arial"/>
+              </a:defRPr>
+            </a:pPr>
           </a:p>
           <a:p>
             <a:pPr marL="457200" indent="-228600">
               <a:buSzPct val="100000"/>
               <a:buChar char="■"/>
+              <a:defRPr>
+                <a:latin typeface="Arial"/>
+                <a:ea typeface="Arial"/>
+                <a:cs typeface="Arial"/>
+                <a:sym typeface="Arial"/>
+              </a:defRPr>
             </a:pPr>
             <a:r>
               <a:t>2</a:t>
@@ -8772,7 +9320,7 @@
       </p:sp>
       <p:pic>
         <p:nvPicPr>
-          <p:cNvPr id="337" name="image48.png" descr="pipe_53.png"/>
+          <p:cNvPr id="337" name="image44.png" descr="pipe_53.png"/>
           <p:cNvPicPr>
             <a:picLocks noChangeAspect="1"/>
           </p:cNvPicPr>
@@ -8789,7 +9337,7 @@
         <p:spPr>
           <a:xfrm>
             <a:off x="521074" y="5364600"/>
-            <a:ext cx="8101850" cy="727400"/>
+            <a:ext cx="8101850" cy="727401"/>
           </a:xfrm>
           <a:prstGeom prst="rect">
             <a:avLst/>
@@ -8844,7 +9392,7 @@
         <p:spPr>
           <a:xfrm>
             <a:off x="-1902" y="-3963"/>
-            <a:ext cx="9144001" cy="6861963"/>
+            <a:ext cx="9144001" cy="6861964"/>
           </a:xfrm>
           <a:prstGeom prst="rect">
             <a:avLst/>
@@ -8863,7 +9411,7 @@
         <p:spPr>
           <a:xfrm>
             <a:off x="308174" y="1015800"/>
-            <a:ext cx="8605202" cy="538451"/>
+            <a:ext cx="8605202" cy="538449"/>
           </a:xfrm>
           <a:prstGeom prst="rect">
             <a:avLst/>
@@ -8878,7 +9426,7 @@
           </a:extLst>
         </p:spPr>
         <p:txBody>
-          <a:bodyPr lIns="91424" tIns="91424" rIns="91424" bIns="91424">
+          <a:bodyPr lIns="91423" tIns="91423" rIns="91423" bIns="91423">
             <a:spAutoFit/>
           </a:bodyPr>
           <a:lstStyle>
@@ -8901,7 +9449,7 @@
       </p:sp>
       <p:pic>
         <p:nvPicPr>
-          <p:cNvPr id="341" name="image52.png" descr="pipe_54.png"/>
+          <p:cNvPr id="341" name="image45.png" descr="pipe_54.png"/>
           <p:cNvPicPr>
             <a:picLocks noChangeAspect="1"/>
           </p:cNvPicPr>
@@ -8930,7 +9478,7 @@
       </p:pic>
       <p:pic>
         <p:nvPicPr>
-          <p:cNvPr id="342" name="image50.png" descr="pipe_55.png"/>
+          <p:cNvPr id="342" name="image46.png" descr="pipe_55.png"/>
           <p:cNvPicPr>
             <a:picLocks noChangeAspect="1"/>
           </p:cNvPicPr>
@@ -8947,7 +9495,7 @@
         <p:spPr>
           <a:xfrm>
             <a:off x="308175" y="5313562"/>
-            <a:ext cx="7010401" cy="180976"/>
+            <a:ext cx="7010401" cy="180977"/>
           </a:xfrm>
           <a:prstGeom prst="rect">
             <a:avLst/>
@@ -9002,7 +9550,7 @@
         <p:spPr>
           <a:xfrm>
             <a:off x="-1902" y="-3963"/>
-            <a:ext cx="9144001" cy="6861963"/>
+            <a:ext cx="9144001" cy="6861964"/>
           </a:xfrm>
           <a:prstGeom prst="rect">
             <a:avLst/>
@@ -9021,7 +9569,7 @@
         <p:spPr>
           <a:xfrm>
             <a:off x="308174" y="1015800"/>
-            <a:ext cx="8605202" cy="538451"/>
+            <a:ext cx="8605202" cy="538449"/>
           </a:xfrm>
           <a:prstGeom prst="rect">
             <a:avLst/>
@@ -9036,7 +9584,7 @@
           </a:extLst>
         </p:spPr>
         <p:txBody>
-          <a:bodyPr lIns="91424" tIns="91424" rIns="91424" bIns="91424">
+          <a:bodyPr lIns="91423" tIns="91423" rIns="91423" bIns="91423">
             <a:spAutoFit/>
           </a:bodyPr>
           <a:lstStyle>
@@ -9059,7 +9607,7 @@
       </p:sp>
       <p:pic>
         <p:nvPicPr>
-          <p:cNvPr id="346" name="image49.png" descr="pipe_56.png"/>
+          <p:cNvPr id="346" name="image47.png" descr="pipe_56.png"/>
           <p:cNvPicPr>
             <a:picLocks noChangeAspect="1"/>
           </p:cNvPicPr>
@@ -9075,8 +9623,8 @@
         </p:blipFill>
         <p:spPr>
           <a:xfrm>
-            <a:off x="308175" y="2703399"/>
-            <a:ext cx="8286751" cy="1485901"/>
+            <a:off x="308175" y="2703398"/>
+            <a:ext cx="8286751" cy="1485902"/>
           </a:xfrm>
           <a:prstGeom prst="rect">
             <a:avLst/>
@@ -9088,7 +9636,7 @@
       </p:pic>
       <p:pic>
         <p:nvPicPr>
-          <p:cNvPr id="347" name="image46.png" descr="pipe_57.png"/>
+          <p:cNvPr id="347" name="image48.png" descr="pipe_57.png"/>
           <p:cNvPicPr>
             <a:picLocks noChangeAspect="1"/>
           </p:cNvPicPr>
@@ -9105,7 +9653,7 @@
         <p:spPr>
           <a:xfrm>
             <a:off x="308162" y="4404736"/>
-            <a:ext cx="6048376" cy="485776"/>
+            <a:ext cx="6048377" cy="485777"/>
           </a:xfrm>
           <a:prstGeom prst="rect">
             <a:avLst/>
@@ -9160,7 +9708,7 @@
         <p:spPr>
           <a:xfrm>
             <a:off x="-1902" y="-3963"/>
-            <a:ext cx="9144001" cy="6861963"/>
+            <a:ext cx="9144001" cy="6861964"/>
           </a:xfrm>
           <a:prstGeom prst="rect">
             <a:avLst/>
@@ -9179,7 +9727,7 @@
         <p:spPr>
           <a:xfrm>
             <a:off x="536775" y="1015800"/>
-            <a:ext cx="7328700" cy="538451"/>
+            <a:ext cx="7328700" cy="538449"/>
           </a:xfrm>
           <a:prstGeom prst="rect">
             <a:avLst/>
@@ -9194,7 +9742,7 @@
           </a:extLst>
         </p:spPr>
         <p:txBody>
-          <a:bodyPr lIns="91424" tIns="91424" rIns="91424" bIns="91424">
+          <a:bodyPr lIns="91423" tIns="91423" rIns="91423" bIns="91423">
             <a:spAutoFit/>
           </a:bodyPr>
           <a:lstStyle>
@@ -9224,7 +9772,7 @@
         <p:spPr>
           <a:xfrm>
             <a:off x="549900" y="1784499"/>
-            <a:ext cx="8044200" cy="442073"/>
+            <a:ext cx="8044199" cy="442070"/>
           </a:xfrm>
           <a:prstGeom prst="rect">
             <a:avLst/>
@@ -9239,7 +9787,7 @@
           </a:extLst>
         </p:spPr>
         <p:txBody>
-          <a:bodyPr lIns="91424" tIns="91424" rIns="91424" bIns="91424">
+          <a:bodyPr lIns="91423" tIns="91423" rIns="91423" bIns="91423">
             <a:spAutoFit/>
           </a:bodyPr>
           <a:lstStyle>
@@ -9249,7 +9797,12 @@
               </a:spcBef>
               <a:buSzPct val="100000"/>
               <a:buChar char="■"/>
-              <a:defRPr sz="1800"/>
+              <a:defRPr sz="1800">
+                <a:latin typeface="Arial"/>
+                <a:ea typeface="Arial"/>
+                <a:cs typeface="Arial"/>
+                <a:sym typeface="Arial"/>
+              </a:defRPr>
             </a:lvl1pPr>
           </a:lstStyle>
           <a:p>
@@ -9262,7 +9815,7 @@
       </p:sp>
       <p:pic>
         <p:nvPicPr>
-          <p:cNvPr id="187" name="image28.png" descr="pipe_03_reworked.png"/>
+          <p:cNvPr id="187" name="image4.png" descr="pipe_03_reworked.png"/>
           <p:cNvPicPr>
             <a:picLocks noChangeAspect="1"/>
           </p:cNvPicPr>
@@ -9334,7 +9887,7 @@
         <p:spPr>
           <a:xfrm>
             <a:off x="-1902" y="-3963"/>
-            <a:ext cx="9144001" cy="6861963"/>
+            <a:ext cx="9144001" cy="6861964"/>
           </a:xfrm>
           <a:prstGeom prst="rect">
             <a:avLst/>
@@ -9353,7 +9906,7 @@
         <p:spPr>
           <a:xfrm>
             <a:off x="308174" y="1015800"/>
-            <a:ext cx="8605202" cy="538451"/>
+            <a:ext cx="8605202" cy="538449"/>
           </a:xfrm>
           <a:prstGeom prst="rect">
             <a:avLst/>
@@ -9368,7 +9921,7 @@
           </a:extLst>
         </p:spPr>
         <p:txBody>
-          <a:bodyPr lIns="91424" tIns="91424" rIns="91424" bIns="91424">
+          <a:bodyPr lIns="91423" tIns="91423" rIns="91423" bIns="91423">
             <a:spAutoFit/>
           </a:bodyPr>
           <a:lstStyle>
@@ -9391,7 +9944,7 @@
       </p:sp>
       <p:pic>
         <p:nvPicPr>
-          <p:cNvPr id="351" name="image51.jpg" descr="templates_02.jpg"/>
+          <p:cNvPr id="351" name="image4.jpeg" descr="templates_02.jpg"/>
           <p:cNvPicPr>
             <a:picLocks noChangeAspect="1"/>
           </p:cNvPicPr>
@@ -9462,8 +10015,8 @@
         </p:blipFill>
         <p:spPr>
           <a:xfrm>
-            <a:off x="-2" y="-1982"/>
-            <a:ext cx="9144002" cy="6861963"/>
+            <a:off x="-3" y="-1982"/>
+            <a:ext cx="9144004" cy="6861964"/>
           </a:xfrm>
           <a:prstGeom prst="rect">
             <a:avLst/>
@@ -9598,7 +10151,7 @@
       </p:sp>
       <p:pic>
         <p:nvPicPr>
-          <p:cNvPr id="355" name="image21.tif"/>
+          <p:cNvPr id="355" name="image1.tif"/>
           <p:cNvPicPr>
             <a:picLocks noChangeAspect="1"/>
           </p:cNvPicPr>
@@ -9615,7 +10168,7 @@
         <p:spPr>
           <a:xfrm>
             <a:off x="860331" y="3832083"/>
-            <a:ext cx="7423339" cy="2397918"/>
+            <a:ext cx="7423340" cy="2397919"/>
           </a:xfrm>
           <a:prstGeom prst="rect">
             <a:avLst/>
@@ -9627,7 +10180,7 @@
       </p:pic>
       <p:pic>
         <p:nvPicPr>
-          <p:cNvPr id="356" name="image22.jpeg"/>
+          <p:cNvPr id="356" name="image5.jpeg"/>
           <p:cNvPicPr>
             <a:picLocks noChangeAspect="1"/>
           </p:cNvPicPr>
@@ -9714,8 +10267,8 @@
         </p:nvSpPr>
         <p:spPr>
           <a:xfrm>
-            <a:off x="1371598" y="3886200"/>
-            <a:ext cx="6400803" cy="1752600"/>
+            <a:off x="1371597" y="3886200"/>
+            <a:ext cx="6400805" cy="1752600"/>
           </a:xfrm>
           <a:prstGeom prst="rect">
             <a:avLst/>
@@ -9752,7 +10305,7 @@
         <p:spPr>
           <a:xfrm>
             <a:off x="-12710" y="0"/>
-            <a:ext cx="9193224" cy="6858000"/>
+            <a:ext cx="9193225" cy="6858000"/>
           </a:xfrm>
           <a:prstGeom prst="rect">
             <a:avLst/>
@@ -9771,7 +10324,7 @@
         <p:spPr>
           <a:xfrm>
             <a:off x="1742600" y="2594548"/>
-            <a:ext cx="5682601" cy="2011647"/>
+            <a:ext cx="5682601" cy="2011645"/>
           </a:xfrm>
           <a:prstGeom prst="rect">
             <a:avLst/>
@@ -9786,7 +10339,7 @@
           </a:extLst>
         </p:spPr>
         <p:txBody>
-          <a:bodyPr lIns="91422" tIns="91422" rIns="91422" bIns="91422">
+          <a:bodyPr lIns="91421" tIns="91421" rIns="91421" bIns="91421">
             <a:spAutoFit/>
           </a:bodyPr>
           <a:lstStyle>
@@ -9855,7 +10408,7 @@
         <p:spPr>
           <a:xfrm>
             <a:off x="-1902" y="-3963"/>
-            <a:ext cx="9144001" cy="6861963"/>
+            <a:ext cx="9144001" cy="6861964"/>
           </a:xfrm>
           <a:prstGeom prst="rect">
             <a:avLst/>
@@ -9874,7 +10427,7 @@
         <p:spPr>
           <a:xfrm>
             <a:off x="536775" y="1015800"/>
-            <a:ext cx="7328700" cy="538451"/>
+            <a:ext cx="7328700" cy="538449"/>
           </a:xfrm>
           <a:prstGeom prst="rect">
             <a:avLst/>
@@ -9889,7 +10442,7 @@
           </a:extLst>
         </p:spPr>
         <p:txBody>
-          <a:bodyPr lIns="91424" tIns="91424" rIns="91424" bIns="91424">
+          <a:bodyPr lIns="91423" tIns="91423" rIns="91423" bIns="91423">
             <a:spAutoFit/>
           </a:bodyPr>
           <a:lstStyle>
@@ -9912,7 +10465,7 @@
       </p:sp>
       <p:pic>
         <p:nvPicPr>
-          <p:cNvPr id="191" name="image3.png" descr="pipe_06.png"/>
+          <p:cNvPr id="191" name="image5.png" descr="pipe_06.png"/>
           <p:cNvPicPr>
             <a:picLocks noChangeAspect="1"/>
           </p:cNvPicPr>
@@ -9929,7 +10482,7 @@
         <p:spPr>
           <a:xfrm>
             <a:off x="751587" y="2554375"/>
-            <a:ext cx="6334126" cy="590551"/>
+            <a:ext cx="6334127" cy="590552"/>
           </a:xfrm>
           <a:prstGeom prst="rect">
             <a:avLst/>
@@ -9947,8 +10500,8 @@
         </p:nvSpPr>
         <p:spPr>
           <a:xfrm>
-            <a:off x="3245224" y="4395499"/>
-            <a:ext cx="1041002" cy="184801"/>
+            <a:off x="3245223" y="4395499"/>
+            <a:ext cx="1041003" cy="184802"/>
           </a:xfrm>
           <a:custGeom>
             <a:avLst/>
@@ -10038,16 +10591,23 @@
           </a:ln>
         </p:spPr>
         <p:txBody>
-          <a:bodyPr lIns="45719" rIns="45719" anchor="ctr"/>
+          <a:bodyPr lIns="45718" tIns="45718" rIns="45718" bIns="45718" anchor="ctr"/>
           <a:lstStyle/>
           <a:p>
-            <a:pPr/>
+            <a:pPr>
+              <a:defRPr>
+                <a:latin typeface="Arial"/>
+                <a:ea typeface="Arial"/>
+                <a:cs typeface="Arial"/>
+                <a:sym typeface="Arial"/>
+              </a:defRPr>
+            </a:pPr>
           </a:p>
         </p:txBody>
       </p:sp>
       <p:pic>
         <p:nvPicPr>
-          <p:cNvPr id="193" name="image25.png" descr="ng4_01.png"/>
+          <p:cNvPr id="193" name="image6.png" descr="ng4_01.png"/>
           <p:cNvPicPr>
             <a:picLocks noChangeAspect="1"/>
           </p:cNvPicPr>
@@ -10064,7 +10624,7 @@
         <p:spPr>
           <a:xfrm>
             <a:off x="750087" y="3668324"/>
-            <a:ext cx="5381626" cy="1028701"/>
+            <a:ext cx="5381627" cy="1028702"/>
           </a:xfrm>
           <a:prstGeom prst="rect">
             <a:avLst/>
@@ -10082,8 +10642,8 @@
         </p:nvSpPr>
         <p:spPr>
           <a:xfrm>
-            <a:off x="2096624" y="3696825"/>
-            <a:ext cx="907801" cy="355665"/>
+            <a:off x="2096623" y="3696825"/>
+            <a:ext cx="907802" cy="355663"/>
           </a:xfrm>
           <a:prstGeom prst="rect">
             <a:avLst/>
@@ -10098,7 +10658,7 @@
           </a:extLst>
         </p:spPr>
         <p:txBody>
-          <a:bodyPr lIns="91424" tIns="91424" rIns="91424" bIns="91424">
+          <a:bodyPr lIns="91423" tIns="91423" rIns="91423" bIns="91423">
             <a:spAutoFit/>
           </a:bodyPr>
           <a:lstStyle>
@@ -10107,6 +10667,10 @@
                 <a:solidFill>
                   <a:srgbClr val="D9D9D9"/>
                 </a:solidFill>
+                <a:latin typeface="Arial"/>
+                <a:ea typeface="Arial"/>
+                <a:cs typeface="Arial"/>
+                <a:sym typeface="Arial"/>
               </a:defRPr>
             </a:lvl1pPr>
           </a:lstStyle>
@@ -10127,7 +10691,7 @@
         <p:spPr>
           <a:xfrm>
             <a:off x="3544425" y="3696825"/>
-            <a:ext cx="907801" cy="355665"/>
+            <a:ext cx="907802" cy="355663"/>
           </a:xfrm>
           <a:prstGeom prst="rect">
             <a:avLst/>
@@ -10142,7 +10706,7 @@
           </a:extLst>
         </p:spPr>
         <p:txBody>
-          <a:bodyPr lIns="91424" tIns="91424" rIns="91424" bIns="91424">
+          <a:bodyPr lIns="91423" tIns="91423" rIns="91423" bIns="91423">
             <a:spAutoFit/>
           </a:bodyPr>
           <a:lstStyle>
@@ -10151,6 +10715,10 @@
                 <a:solidFill>
                   <a:srgbClr val="D9D9D9"/>
                 </a:solidFill>
+                <a:latin typeface="Arial"/>
+                <a:ea typeface="Arial"/>
+                <a:cs typeface="Arial"/>
+                <a:sym typeface="Arial"/>
               </a:defRPr>
             </a:lvl1pPr>
           </a:lstStyle>
@@ -10171,7 +10739,7 @@
         <p:spPr>
           <a:xfrm>
             <a:off x="4611225" y="3696825"/>
-            <a:ext cx="907801" cy="355665"/>
+            <a:ext cx="907802" cy="355663"/>
           </a:xfrm>
           <a:prstGeom prst="rect">
             <a:avLst/>
@@ -10186,7 +10754,7 @@
           </a:extLst>
         </p:spPr>
         <p:txBody>
-          <a:bodyPr lIns="91424" tIns="91424" rIns="91424" bIns="91424">
+          <a:bodyPr lIns="91423" tIns="91423" rIns="91423" bIns="91423">
             <a:spAutoFit/>
           </a:bodyPr>
           <a:lstStyle>
@@ -10195,6 +10763,10 @@
                 <a:solidFill>
                   <a:srgbClr val="D9D9D9"/>
                 </a:solidFill>
+                <a:latin typeface="Arial"/>
+                <a:ea typeface="Arial"/>
+                <a:cs typeface="Arial"/>
+                <a:sym typeface="Arial"/>
               </a:defRPr>
             </a:lvl1pPr>
           </a:lstStyle>
@@ -10214,8 +10786,8 @@
         </p:nvSpPr>
         <p:spPr>
           <a:xfrm>
-            <a:off x="1949824" y="4090699"/>
-            <a:ext cx="1101002" cy="184801"/>
+            <a:off x="1949823" y="4090699"/>
+            <a:ext cx="1101003" cy="184802"/>
           </a:xfrm>
           <a:custGeom>
             <a:avLst/>
@@ -10305,10 +10877,17 @@
           </a:ln>
         </p:spPr>
         <p:txBody>
-          <a:bodyPr lIns="45719" rIns="45719" anchor="ctr"/>
+          <a:bodyPr lIns="45718" tIns="45718" rIns="45718" bIns="45718" anchor="ctr"/>
           <a:lstStyle/>
           <a:p>
-            <a:pPr/>
+            <a:pPr>
+              <a:defRPr>
+                <a:latin typeface="Arial"/>
+                <a:ea typeface="Arial"/>
+                <a:cs typeface="Arial"/>
+                <a:sym typeface="Arial"/>
+              </a:defRPr>
+            </a:pPr>
           </a:p>
         </p:txBody>
       </p:sp>
@@ -10321,7 +10900,7 @@
         <p:spPr>
           <a:xfrm>
             <a:off x="536775" y="1809899"/>
-            <a:ext cx="8057399" cy="1955035"/>
+            <a:ext cx="8057399" cy="1623170"/>
           </a:xfrm>
           <a:prstGeom prst="rect">
             <a:avLst/>
@@ -10336,7 +10915,7 @@
           </a:extLst>
         </p:spPr>
         <p:txBody>
-          <a:bodyPr lIns="91424" tIns="91424" rIns="91424" bIns="91424">
+          <a:bodyPr lIns="91423" tIns="91423" rIns="91423" bIns="91423">
             <a:spAutoFit/>
           </a:bodyPr>
           <a:lstStyle/>
@@ -10347,7 +10926,12 @@
               </a:spcBef>
               <a:buSzPct val="100000"/>
               <a:buChar char="■"/>
-              <a:defRPr sz="1800"/>
+              <a:defRPr sz="1800">
+                <a:latin typeface="Arial"/>
+                <a:ea typeface="Arial"/>
+                <a:cs typeface="Arial"/>
+                <a:sym typeface="Arial"/>
+              </a:defRPr>
             </a:pPr>
             <a:r>
               <a:t>General syntax(template)</a:t>
@@ -10358,16 +10942,26 @@
               <a:spcBef>
                 <a:spcPts val="1000"/>
               </a:spcBef>
+              <a:defRPr sz="1800">
+                <a:latin typeface="Arial"/>
+                <a:ea typeface="Arial"/>
+                <a:cs typeface="Arial"/>
+                <a:sym typeface="Arial"/>
+              </a:defRPr>
             </a:pPr>
-            <a:endParaRPr sz="1800"/>
           </a:p>
           <a:p>
             <a:pPr>
               <a:spcBef>
                 <a:spcPts val="1000"/>
               </a:spcBef>
+              <a:defRPr sz="1800">
+                <a:latin typeface="Arial"/>
+                <a:ea typeface="Arial"/>
+                <a:cs typeface="Arial"/>
+                <a:sym typeface="Arial"/>
+              </a:defRPr>
             </a:pPr>
-            <a:endParaRPr sz="1800"/>
           </a:p>
           <a:p>
             <a:pPr marL="457200" indent="-342900">
@@ -10376,7 +10970,12 @@
               </a:spcBef>
               <a:buSzPct val="100000"/>
               <a:buChar char="■"/>
-              <a:defRPr sz="1800"/>
+              <a:defRPr sz="1800">
+                <a:latin typeface="Arial"/>
+                <a:ea typeface="Arial"/>
+                <a:cs typeface="Arial"/>
+                <a:sym typeface="Arial"/>
+              </a:defRPr>
             </a:pPr>
             <a:r>
               <a:t>Chaining Pipes</a:t>
@@ -10393,7 +10992,7 @@
         <p:spPr>
           <a:xfrm>
             <a:off x="3169024" y="4090699"/>
-            <a:ext cx="907801" cy="184801"/>
+            <a:ext cx="907802" cy="184802"/>
           </a:xfrm>
           <a:custGeom>
             <a:avLst/>
@@ -10477,10 +11076,17 @@
           </a:ln>
         </p:spPr>
         <p:txBody>
-          <a:bodyPr lIns="45719" rIns="45719" anchor="ctr"/>
+          <a:bodyPr lIns="45718" tIns="45718" rIns="45718" bIns="45718" anchor="ctr"/>
           <a:lstStyle/>
           <a:p>
-            <a:pPr/>
+            <a:pPr>
+              <a:defRPr>
+                <a:latin typeface="Arial"/>
+                <a:ea typeface="Arial"/>
+                <a:cs typeface="Arial"/>
+                <a:sym typeface="Arial"/>
+              </a:defRPr>
+            </a:pPr>
           </a:p>
         </p:txBody>
       </p:sp>
@@ -10493,7 +11099,7 @@
         <p:spPr>
           <a:xfrm>
             <a:off x="4159625" y="4090699"/>
-            <a:ext cx="907801" cy="184801"/>
+            <a:ext cx="907802" cy="184802"/>
           </a:xfrm>
           <a:custGeom>
             <a:avLst/>
@@ -10577,10 +11183,17 @@
           </a:ln>
         </p:spPr>
         <p:txBody>
-          <a:bodyPr lIns="45719" rIns="45719" anchor="ctr"/>
+          <a:bodyPr lIns="45718" tIns="45718" rIns="45718" bIns="45718" anchor="ctr"/>
           <a:lstStyle/>
           <a:p>
-            <a:pPr/>
+            <a:pPr>
+              <a:defRPr>
+                <a:latin typeface="Arial"/>
+                <a:ea typeface="Arial"/>
+                <a:cs typeface="Arial"/>
+                <a:sym typeface="Arial"/>
+              </a:defRPr>
+            </a:pPr>
           </a:p>
         </p:txBody>
       </p:sp>
@@ -10629,7 +11242,7 @@
         <p:spPr>
           <a:xfrm>
             <a:off x="-1902" y="-3963"/>
-            <a:ext cx="9144001" cy="6861963"/>
+            <a:ext cx="9144001" cy="6861964"/>
           </a:xfrm>
           <a:prstGeom prst="rect">
             <a:avLst/>
@@ -10648,7 +11261,7 @@
         <p:spPr>
           <a:xfrm>
             <a:off x="536775" y="1015800"/>
-            <a:ext cx="7328700" cy="538451"/>
+            <a:ext cx="7328700" cy="538449"/>
           </a:xfrm>
           <a:prstGeom prst="rect">
             <a:avLst/>
@@ -10663,7 +11276,7 @@
           </a:extLst>
         </p:spPr>
         <p:txBody>
-          <a:bodyPr lIns="91424" tIns="91424" rIns="91424" bIns="91424">
+          <a:bodyPr lIns="91423" tIns="91423" rIns="91423" bIns="91423">
             <a:spAutoFit/>
           </a:bodyPr>
           <a:lstStyle>
@@ -10693,7 +11306,7 @@
         <p:spPr>
           <a:xfrm>
             <a:off x="549900" y="1886099"/>
-            <a:ext cx="8044199" cy="442073"/>
+            <a:ext cx="8044199" cy="442070"/>
           </a:xfrm>
           <a:prstGeom prst="rect">
             <a:avLst/>
@@ -10708,7 +11321,7 @@
           </a:extLst>
         </p:spPr>
         <p:txBody>
-          <a:bodyPr lIns="91424" tIns="91424" rIns="91424" bIns="91424">
+          <a:bodyPr lIns="91423" tIns="91423" rIns="91423" bIns="91423">
             <a:spAutoFit/>
           </a:bodyPr>
           <a:lstStyle>
@@ -10718,7 +11331,12 @@
               </a:spcBef>
               <a:buSzPct val="100000"/>
               <a:buChar char="■"/>
-              <a:defRPr sz="1800"/>
+              <a:defRPr sz="1800">
+                <a:latin typeface="Arial"/>
+                <a:ea typeface="Arial"/>
+                <a:cs typeface="Arial"/>
+                <a:sym typeface="Arial"/>
+              </a:defRPr>
             </a:lvl1pPr>
           </a:lstStyle>
           <a:p>
@@ -10731,7 +11349,7 @@
       </p:sp>
       <p:pic>
         <p:nvPicPr>
-          <p:cNvPr id="205" name="image27.png" descr="pipe_11.png"/>
+          <p:cNvPr id="205" name="image7.png" descr="pipe_11.png"/>
           <p:cNvPicPr>
             <a:picLocks noChangeAspect="1"/>
           </p:cNvPicPr>
@@ -10747,8 +11365,8 @@
         </p:blipFill>
         <p:spPr>
           <a:xfrm>
-            <a:off x="756125" y="2599198"/>
-            <a:ext cx="7936549" cy="3183601"/>
+            <a:off x="756125" y="2599197"/>
+            <a:ext cx="7936549" cy="3183602"/>
           </a:xfrm>
           <a:prstGeom prst="rect">
             <a:avLst/>
@@ -10803,7 +11421,7 @@
         <p:spPr>
           <a:xfrm>
             <a:off x="-1902" y="-3963"/>
-            <a:ext cx="9144001" cy="6861963"/>
+            <a:ext cx="9144001" cy="6861964"/>
           </a:xfrm>
           <a:prstGeom prst="rect">
             <a:avLst/>
@@ -10822,7 +11440,7 @@
         <p:spPr>
           <a:xfrm>
             <a:off x="536775" y="1015800"/>
-            <a:ext cx="7328700" cy="538451"/>
+            <a:ext cx="7328700" cy="538449"/>
           </a:xfrm>
           <a:prstGeom prst="rect">
             <a:avLst/>
@@ -10837,7 +11455,7 @@
           </a:extLst>
         </p:spPr>
         <p:txBody>
-          <a:bodyPr lIns="91424" tIns="91424" rIns="91424" bIns="91424">
+          <a:bodyPr lIns="91423" tIns="91423" rIns="91423" bIns="91423">
             <a:spAutoFit/>
           </a:bodyPr>
           <a:lstStyle>
@@ -10867,7 +11485,7 @@
         <p:spPr>
           <a:xfrm>
             <a:off x="549900" y="1886099"/>
-            <a:ext cx="8044199" cy="442073"/>
+            <a:ext cx="8044199" cy="442070"/>
           </a:xfrm>
           <a:prstGeom prst="rect">
             <a:avLst/>
@@ -10882,7 +11500,7 @@
           </a:extLst>
         </p:spPr>
         <p:txBody>
-          <a:bodyPr lIns="91424" tIns="91424" rIns="91424" bIns="91424">
+          <a:bodyPr lIns="91423" tIns="91423" rIns="91423" bIns="91423">
             <a:spAutoFit/>
           </a:bodyPr>
           <a:lstStyle>
@@ -10892,7 +11510,12 @@
               </a:spcBef>
               <a:buSzPct val="100000"/>
               <a:buChar char="■"/>
-              <a:defRPr sz="1800"/>
+              <a:defRPr sz="1800">
+                <a:latin typeface="Arial"/>
+                <a:ea typeface="Arial"/>
+                <a:cs typeface="Arial"/>
+                <a:sym typeface="Arial"/>
+              </a:defRPr>
             </a:lvl1pPr>
           </a:lstStyle>
           <a:p>
@@ -10905,7 +11528,7 @@
       </p:sp>
       <p:pic>
         <p:nvPicPr>
-          <p:cNvPr id="210" name="image16.png" descr="pipe_12.png"/>
+          <p:cNvPr id="210" name="image8.png" descr="pipe_12.png"/>
           <p:cNvPicPr>
             <a:picLocks noChangeAspect="1"/>
           </p:cNvPicPr>
@@ -10922,7 +11545,7 @@
         <p:spPr>
           <a:xfrm>
             <a:off x="383849" y="3847236"/>
-            <a:ext cx="8372476" cy="1590676"/>
+            <a:ext cx="8372476" cy="1590677"/>
           </a:xfrm>
           <a:prstGeom prst="rect">
             <a:avLst/>
@@ -10943,7 +11566,7 @@
         <p:spPr>
           <a:xfrm>
             <a:off x="5647775" y="3847250"/>
-            <a:ext cx="3108601" cy="1460683"/>
+            <a:ext cx="3108602" cy="1460681"/>
           </a:xfrm>
           <a:prstGeom prst="rect">
             <a:avLst/>
@@ -10958,7 +11581,7 @@
           </a:extLst>
         </p:spPr>
         <p:txBody>
-          <a:bodyPr lIns="91424" tIns="91424" rIns="91424" bIns="91424">
+          <a:bodyPr lIns="91423" tIns="91423" rIns="91423" bIns="91423">
             <a:spAutoFit/>
           </a:bodyPr>
           <a:lstStyle/>
@@ -10971,6 +11594,10 @@
                 <a:solidFill>
                   <a:srgbClr val="F3F3F3"/>
                 </a:solidFill>
+                <a:latin typeface="Arial"/>
+                <a:ea typeface="Arial"/>
+                <a:cs typeface="Arial"/>
+                <a:sym typeface="Arial"/>
               </a:defRPr>
             </a:pPr>
             <a:r>
@@ -10986,6 +11613,10 @@
                 <a:solidFill>
                   <a:srgbClr val="F3F3F3"/>
                 </a:solidFill>
+                <a:latin typeface="Arial"/>
+                <a:ea typeface="Arial"/>
+                <a:cs typeface="Arial"/>
+                <a:sym typeface="Arial"/>
               </a:defRPr>
             </a:pPr>
             <a:r>
@@ -11001,6 +11632,10 @@
                 <a:solidFill>
                   <a:srgbClr val="F3F3F3"/>
                 </a:solidFill>
+                <a:latin typeface="Arial"/>
+                <a:ea typeface="Arial"/>
+                <a:cs typeface="Arial"/>
+                <a:sym typeface="Arial"/>
               </a:defRPr>
             </a:pPr>
             <a:r>
@@ -11016,6 +11651,10 @@
                 <a:solidFill>
                   <a:srgbClr val="F3F3F3"/>
                 </a:solidFill>
+                <a:latin typeface="Arial"/>
+                <a:ea typeface="Arial"/>
+                <a:cs typeface="Arial"/>
+                <a:sym typeface="Arial"/>
               </a:defRPr>
             </a:pPr>
             <a:r>
@@ -11031,6 +11670,10 @@
                 <a:solidFill>
                   <a:srgbClr val="F3F3F3"/>
                 </a:solidFill>
+                <a:latin typeface="Arial"/>
+                <a:ea typeface="Arial"/>
+                <a:cs typeface="Arial"/>
+                <a:sym typeface="Arial"/>
               </a:defRPr>
             </a:pPr>
             <a:r>
@@ -11046,6 +11689,10 @@
                 <a:solidFill>
                   <a:srgbClr val="F3F3F3"/>
                 </a:solidFill>
+                <a:latin typeface="Arial"/>
+                <a:ea typeface="Arial"/>
+                <a:cs typeface="Arial"/>
+                <a:sym typeface="Arial"/>
               </a:defRPr>
             </a:pPr>
             <a:r>
@@ -11056,7 +11703,7 @@
       </p:sp>
       <p:pic>
         <p:nvPicPr>
-          <p:cNvPr id="212" name="image4.png" descr="pipe_15.png"/>
+          <p:cNvPr id="212" name="image9.png" descr="pipe_15.png"/>
           <p:cNvPicPr>
             <a:picLocks noChangeAspect="1"/>
           </p:cNvPicPr>
@@ -11073,7 +11720,7 @@
         <p:spPr>
           <a:xfrm>
             <a:off x="383837" y="2618512"/>
-            <a:ext cx="4429126" cy="1000126"/>
+            <a:ext cx="4429127" cy="1000127"/>
           </a:xfrm>
           <a:prstGeom prst="rect">
             <a:avLst/>
@@ -11128,7 +11775,7 @@
         <p:spPr>
           <a:xfrm>
             <a:off x="-1902" y="-3963"/>
-            <a:ext cx="9144001" cy="6861963"/>
+            <a:ext cx="9144001" cy="6861964"/>
           </a:xfrm>
           <a:prstGeom prst="rect">
             <a:avLst/>
@@ -11147,7 +11794,7 @@
         <p:spPr>
           <a:xfrm>
             <a:off x="536775" y="1015800"/>
-            <a:ext cx="7328700" cy="538451"/>
+            <a:ext cx="7328700" cy="538449"/>
           </a:xfrm>
           <a:prstGeom prst="rect">
             <a:avLst/>
@@ -11162,7 +11809,7 @@
           </a:extLst>
         </p:spPr>
         <p:txBody>
-          <a:bodyPr lIns="91424" tIns="91424" rIns="91424" bIns="91424">
+          <a:bodyPr lIns="91423" tIns="91423" rIns="91423" bIns="91423">
             <a:spAutoFit/>
           </a:bodyPr>
           <a:lstStyle>
@@ -11192,7 +11839,7 @@
         <p:spPr>
           <a:xfrm>
             <a:off x="549900" y="1886099"/>
-            <a:ext cx="8044199" cy="442073"/>
+            <a:ext cx="8044199" cy="442070"/>
           </a:xfrm>
           <a:prstGeom prst="rect">
             <a:avLst/>
@@ -11207,7 +11854,7 @@
           </a:extLst>
         </p:spPr>
         <p:txBody>
-          <a:bodyPr lIns="91424" tIns="91424" rIns="91424" bIns="91424">
+          <a:bodyPr lIns="91423" tIns="91423" rIns="91423" bIns="91423">
             <a:spAutoFit/>
           </a:bodyPr>
           <a:lstStyle>
@@ -11217,7 +11864,12 @@
               </a:spcBef>
               <a:buSzPct val="100000"/>
               <a:buChar char="■"/>
-              <a:defRPr sz="1800"/>
+              <a:defRPr sz="1800">
+                <a:latin typeface="Arial"/>
+                <a:ea typeface="Arial"/>
+                <a:cs typeface="Arial"/>
+                <a:sym typeface="Arial"/>
+              </a:defRPr>
             </a:lvl1pPr>
           </a:lstStyle>
           <a:p>
@@ -11230,7 +11882,7 @@
       </p:sp>
       <p:pic>
         <p:nvPicPr>
-          <p:cNvPr id="217" name="image5.png" descr="pipe_17.png"/>
+          <p:cNvPr id="217" name="image10.png" descr="pipe_17.png"/>
           <p:cNvPicPr>
             <a:picLocks noChangeAspect="1"/>
           </p:cNvPicPr>
@@ -11246,8 +11898,8 @@
         </p:blipFill>
         <p:spPr>
           <a:xfrm>
-            <a:off x="743500" y="2613749"/>
-            <a:ext cx="6648451" cy="1466851"/>
+            <a:off x="743500" y="2613748"/>
+            <a:ext cx="6648451" cy="1466852"/>
           </a:xfrm>
           <a:prstGeom prst="rect">
             <a:avLst/>
@@ -11302,7 +11954,7 @@
         <p:spPr>
           <a:xfrm>
             <a:off x="-1902" y="-3963"/>
-            <a:ext cx="9144001" cy="6861963"/>
+            <a:ext cx="9144001" cy="6861964"/>
           </a:xfrm>
           <a:prstGeom prst="rect">
             <a:avLst/>
@@ -11321,7 +11973,7 @@
         <p:spPr>
           <a:xfrm>
             <a:off x="536775" y="1015800"/>
-            <a:ext cx="7328700" cy="538451"/>
+            <a:ext cx="7328700" cy="538449"/>
           </a:xfrm>
           <a:prstGeom prst="rect">
             <a:avLst/>
@@ -11336,7 +11988,7 @@
           </a:extLst>
         </p:spPr>
         <p:txBody>
-          <a:bodyPr lIns="91424" tIns="91424" rIns="91424" bIns="91424">
+          <a:bodyPr lIns="91423" tIns="91423" rIns="91423" bIns="91423">
             <a:spAutoFit/>
           </a:bodyPr>
           <a:lstStyle>
@@ -11359,7 +12011,7 @@
       </p:sp>
       <p:pic>
         <p:nvPicPr>
-          <p:cNvPr id="221" name="image8.png" descr="pipe_21.png"/>
+          <p:cNvPr id="221" name="image11.png" descr="pipe_21.png"/>
           <p:cNvPicPr>
             <a:picLocks noChangeAspect="1"/>
           </p:cNvPicPr>
@@ -11375,8 +12027,8 @@
         </p:blipFill>
         <p:spPr>
           <a:xfrm>
-            <a:off x="536774" y="2093211"/>
-            <a:ext cx="7715251" cy="1743076"/>
+            <a:off x="536774" y="2093210"/>
+            <a:ext cx="7715251" cy="1743077"/>
           </a:xfrm>
           <a:prstGeom prst="rect">
             <a:avLst/>
@@ -11395,7 +12047,7 @@
         <p:spPr>
           <a:xfrm>
             <a:off x="3321975" y="4121425"/>
-            <a:ext cx="1641301" cy="562801"/>
+            <a:ext cx="1641302" cy="562802"/>
           </a:xfrm>
           <a:custGeom>
             <a:avLst/>
@@ -11453,16 +12105,23 @@
           </a:ln>
         </p:spPr>
         <p:txBody>
-          <a:bodyPr lIns="45719" rIns="45719" anchor="ctr"/>
+          <a:bodyPr lIns="45718" tIns="45718" rIns="45718" bIns="45718" anchor="ctr"/>
           <a:lstStyle/>
           <a:p>
-            <a:pPr/>
+            <a:pPr>
+              <a:defRPr>
+                <a:latin typeface="Arial"/>
+                <a:ea typeface="Arial"/>
+                <a:cs typeface="Arial"/>
+                <a:sym typeface="Arial"/>
+              </a:defRPr>
+            </a:pPr>
           </a:p>
         </p:txBody>
       </p:sp>
       <p:pic>
         <p:nvPicPr>
-          <p:cNvPr id="223" name="image6.png" descr="pipe_20.png"/>
+          <p:cNvPr id="223" name="image12.png" descr="pipe_20.png"/>
           <p:cNvPicPr>
             <a:picLocks noChangeAspect="1"/>
           </p:cNvPicPr>
@@ -11478,8 +12137,8 @@
         </p:blipFill>
         <p:spPr>
           <a:xfrm>
-            <a:off x="2557461" y="4929187"/>
-            <a:ext cx="3419476" cy="1114426"/>
+            <a:off x="2557460" y="4929187"/>
+            <a:ext cx="3419478" cy="1114427"/>
           </a:xfrm>
           <a:prstGeom prst="rect">
             <a:avLst/>
@@ -11534,7 +12193,7 @@
         <p:spPr>
           <a:xfrm>
             <a:off x="-1902" y="-3963"/>
-            <a:ext cx="9144001" cy="6861963"/>
+            <a:ext cx="9144001" cy="6861964"/>
           </a:xfrm>
           <a:prstGeom prst="rect">
             <a:avLst/>
@@ -11553,7 +12212,7 @@
         <p:spPr>
           <a:xfrm>
             <a:off x="536775" y="1015800"/>
-            <a:ext cx="7328700" cy="538451"/>
+            <a:ext cx="7328700" cy="538449"/>
           </a:xfrm>
           <a:prstGeom prst="rect">
             <a:avLst/>
@@ -11568,7 +12227,7 @@
           </a:extLst>
         </p:spPr>
         <p:txBody>
-          <a:bodyPr lIns="91424" tIns="91424" rIns="91424" bIns="91424">
+          <a:bodyPr lIns="91423" tIns="91423" rIns="91423" bIns="91423">
             <a:spAutoFit/>
           </a:bodyPr>
           <a:lstStyle>
@@ -11597,8 +12256,8 @@
         </p:nvSpPr>
         <p:spPr>
           <a:xfrm>
-            <a:off x="536774" y="1927200"/>
-            <a:ext cx="4360502" cy="2247134"/>
+            <a:off x="536773" y="1927200"/>
+            <a:ext cx="4360504" cy="2042270"/>
           </a:xfrm>
           <a:prstGeom prst="rect">
             <a:avLst/>
@@ -11613,7 +12272,7 @@
           </a:extLst>
         </p:spPr>
         <p:txBody>
-          <a:bodyPr lIns="91424" tIns="91424" rIns="91424" bIns="91424">
+          <a:bodyPr lIns="91423" tIns="91423" rIns="91423" bIns="91423">
             <a:spAutoFit/>
           </a:bodyPr>
           <a:lstStyle/>
@@ -11621,37 +12280,77 @@
             <a:pPr marL="457200" indent="-342900">
               <a:buSzPct val="100000"/>
               <a:buChar char="■"/>
-              <a:defRPr sz="1800"/>
+              <a:defRPr sz="1800">
+                <a:latin typeface="Arial"/>
+                <a:ea typeface="Arial"/>
+                <a:cs typeface="Arial"/>
+                <a:sym typeface="Arial"/>
+              </a:defRPr>
             </a:pPr>
             <a:r>
               <a:t>Uppercase Pipe:</a:t>
             </a:r>
           </a:p>
           <a:p>
-            <a:pPr/>
-            <a:endParaRPr sz="1800"/>
-          </a:p>
-          <a:p>
-            <a:pPr/>
-            <a:endParaRPr sz="1800"/>
-          </a:p>
-          <a:p>
-            <a:pPr/>
-            <a:endParaRPr sz="1800"/>
-          </a:p>
-          <a:p>
-            <a:pPr/>
-            <a:endParaRPr sz="1800"/>
-          </a:p>
-          <a:p>
-            <a:pPr/>
-            <a:endParaRPr sz="1800"/>
+            <a:pPr>
+              <a:defRPr sz="1800">
+                <a:latin typeface="Arial"/>
+                <a:ea typeface="Arial"/>
+                <a:cs typeface="Arial"/>
+                <a:sym typeface="Arial"/>
+              </a:defRPr>
+            </a:pPr>
+          </a:p>
+          <a:p>
+            <a:pPr>
+              <a:defRPr sz="1800">
+                <a:latin typeface="Arial"/>
+                <a:ea typeface="Arial"/>
+                <a:cs typeface="Arial"/>
+                <a:sym typeface="Arial"/>
+              </a:defRPr>
+            </a:pPr>
+          </a:p>
+          <a:p>
+            <a:pPr>
+              <a:defRPr sz="1800">
+                <a:latin typeface="Arial"/>
+                <a:ea typeface="Arial"/>
+                <a:cs typeface="Arial"/>
+                <a:sym typeface="Arial"/>
+              </a:defRPr>
+            </a:pPr>
+          </a:p>
+          <a:p>
+            <a:pPr>
+              <a:defRPr sz="1800">
+                <a:latin typeface="Arial"/>
+                <a:ea typeface="Arial"/>
+                <a:cs typeface="Arial"/>
+                <a:sym typeface="Arial"/>
+              </a:defRPr>
+            </a:pPr>
+          </a:p>
+          <a:p>
+            <a:pPr>
+              <a:defRPr sz="1800">
+                <a:latin typeface="Arial"/>
+                <a:ea typeface="Arial"/>
+                <a:cs typeface="Arial"/>
+                <a:sym typeface="Arial"/>
+              </a:defRPr>
+            </a:pPr>
           </a:p>
           <a:p>
             <a:pPr marL="457200" indent="-342900">
               <a:buSzPct val="100000"/>
               <a:buChar char="■"/>
-              <a:defRPr sz="1800"/>
+              <a:defRPr sz="1800">
+                <a:latin typeface="Arial"/>
+                <a:ea typeface="Arial"/>
+                <a:cs typeface="Arial"/>
+                <a:sym typeface="Arial"/>
+              </a:defRPr>
             </a:pPr>
             <a:r>
               <a:t>Lowercase Pipe:</a:t>
@@ -11661,7 +12360,7 @@
       </p:sp>
       <p:pic>
         <p:nvPicPr>
-          <p:cNvPr id="228" name="image7.png" descr="pipe_22.png"/>
+          <p:cNvPr id="228" name="image13.png" descr="pipe_22.png"/>
           <p:cNvPicPr>
             <a:picLocks noChangeAspect="1"/>
           </p:cNvPicPr>
@@ -11678,7 +12377,7 @@
         <p:spPr>
           <a:xfrm>
             <a:off x="267850" y="4128275"/>
-            <a:ext cx="3619501" cy="704851"/>
+            <a:ext cx="3619502" cy="704852"/>
           </a:xfrm>
           <a:prstGeom prst="rect">
             <a:avLst/>
@@ -11690,7 +12389,7 @@
       </p:pic>
       <p:pic>
         <p:nvPicPr>
-          <p:cNvPr id="229" name="image9.png" descr="pipe_23.png"/>
+          <p:cNvPr id="229" name="image14.png" descr="pipe_23.png"/>
           <p:cNvPicPr>
             <a:picLocks noChangeAspect="1"/>
           </p:cNvPicPr>
@@ -11706,8 +12405,8 @@
         </p:blipFill>
         <p:spPr>
           <a:xfrm>
-            <a:off x="260550" y="2458124"/>
-            <a:ext cx="3638551" cy="781051"/>
+            <a:off x="260550" y="2458123"/>
+            <a:ext cx="3638552" cy="781053"/>
           </a:xfrm>
           <a:prstGeom prst="rect">
             <a:avLst/>
@@ -11719,7 +12418,7 @@
       </p:pic>
       <p:pic>
         <p:nvPicPr>
-          <p:cNvPr id="230" name="image10.png" descr="pipe_24.png"/>
+          <p:cNvPr id="230" name="image15.png" descr="pipe_24.png"/>
           <p:cNvPicPr>
             <a:picLocks noChangeAspect="1"/>
           </p:cNvPicPr>
@@ -11735,8 +12434,8 @@
         </p:blipFill>
         <p:spPr>
           <a:xfrm>
-            <a:off x="4864199" y="2587550"/>
-            <a:ext cx="4057651" cy="285751"/>
+            <a:off x="4864198" y="2587550"/>
+            <a:ext cx="4057652" cy="285751"/>
           </a:xfrm>
           <a:prstGeom prst="rect">
             <a:avLst/>
@@ -11748,7 +12447,7 @@
       </p:pic>
       <p:pic>
         <p:nvPicPr>
-          <p:cNvPr id="231" name="image11.png" descr="pipe_25.png"/>
+          <p:cNvPr id="231" name="image16.png" descr="pipe_25.png"/>
           <p:cNvPicPr>
             <a:picLocks noChangeAspect="1"/>
           </p:cNvPicPr>
@@ -11764,8 +12463,8 @@
         </p:blipFill>
         <p:spPr>
           <a:xfrm>
-            <a:off x="4787999" y="4370311"/>
-            <a:ext cx="4133851" cy="295276"/>
+            <a:off x="4787998" y="4370311"/>
+            <a:ext cx="4133852" cy="295277"/>
           </a:xfrm>
           <a:prstGeom prst="rect">
             <a:avLst/>
@@ -11784,7 +12483,7 @@
         <p:spPr>
           <a:xfrm>
             <a:off x="4168025" y="2587999"/>
-            <a:ext cx="543901" cy="295201"/>
+            <a:ext cx="543902" cy="295202"/>
           </a:xfrm>
           <a:prstGeom prst="rightArrow">
             <a:avLst>
@@ -11802,10 +12501,17 @@
           </a:ln>
         </p:spPr>
         <p:txBody>
-          <a:bodyPr lIns="45719" rIns="45719" anchor="ctr"/>
+          <a:bodyPr lIns="45718" tIns="45718" rIns="45718" bIns="45718" anchor="ctr"/>
           <a:lstStyle/>
           <a:p>
-            <a:pPr/>
+            <a:pPr>
+              <a:defRPr>
+                <a:latin typeface="Arial"/>
+                <a:ea typeface="Arial"/>
+                <a:cs typeface="Arial"/>
+                <a:sym typeface="Arial"/>
+              </a:defRPr>
+            </a:pPr>
           </a:p>
         </p:txBody>
       </p:sp>
@@ -11818,7 +12524,7 @@
         <p:spPr>
           <a:xfrm>
             <a:off x="4168025" y="4340600"/>
-            <a:ext cx="543901" cy="295201"/>
+            <a:ext cx="543902" cy="295202"/>
           </a:xfrm>
           <a:prstGeom prst="rightArrow">
             <a:avLst>
@@ -11836,10 +12542,17 @@
           </a:ln>
         </p:spPr>
         <p:txBody>
-          <a:bodyPr lIns="45719" rIns="45719" anchor="ctr"/>
+          <a:bodyPr lIns="45718" tIns="45718" rIns="45718" bIns="45718" anchor="ctr"/>
           <a:lstStyle/>
           <a:p>
-            <a:pPr/>
+            <a:pPr>
+              <a:defRPr>
+                <a:latin typeface="Arial"/>
+                <a:ea typeface="Arial"/>
+                <a:cs typeface="Arial"/>
+                <a:sym typeface="Arial"/>
+              </a:defRPr>
+            </a:pPr>
           </a:p>
         </p:txBody>
       </p:sp>
@@ -11895,14 +12608,14 @@
     </a:clrScheme>
     <a:fontScheme name="Simple Light">
       <a:majorFont>
+        <a:latin typeface="Helvetica"/>
+        <a:ea typeface="Helvetica"/>
+        <a:cs typeface="Helvetica"/>
+      </a:majorFont>
+      <a:minorFont>
         <a:latin typeface="Helvetica Neue"/>
         <a:ea typeface="Helvetica Neue"/>
         <a:cs typeface="Helvetica Neue"/>
-      </a:majorFont>
-      <a:minorFont>
-        <a:latin typeface="Helvetica"/>
-        <a:ea typeface="Helvetica"/>
-        <a:cs typeface="Helvetica"/>
       </a:minorFont>
     </a:fontScheme>
     <a:fmtScheme name="Simple Light">
@@ -11997,9 +12710,9 @@
         </a:effectStyle>
         <a:effectStyle>
           <a:effectLst>
-            <a:outerShdw sx="100000" sy="100000" kx="0" ky="0" algn="b" rotWithShape="0" blurRad="38100" dist="20000" dir="5400000">
+            <a:outerShdw sx="100000" sy="100000" kx="0" ky="0" algn="b" rotWithShape="0" blurRad="38100" dist="23000" dir="5400000">
               <a:srgbClr val="000000">
-                <a:alpha val="38000"/>
+                <a:alpha val="35000"/>
               </a:srgbClr>
             </a:outerShdw>
           </a:effectLst>
@@ -12079,7 +12792,7 @@
         </a:effectLst>
         <a:sp3d/>
       </a:spPr>
-      <a:bodyPr rot="0" spcFirstLastPara="1" vertOverflow="overflow" horzOverflow="overflow" vert="horz" wrap="square" lIns="45719" tIns="45719" rIns="45719" bIns="45719" numCol="1" spcCol="38100" rtlCol="0" anchor="ctr" upright="0">
+      <a:bodyPr rot="0" spcFirstLastPara="1" vertOverflow="overflow" horzOverflow="overflow" vert="horz" wrap="square" lIns="45718" tIns="45718" rIns="45718" bIns="45718" numCol="1" spcCol="38100" rtlCol="0" anchor="ctr" upright="0">
         <a:spAutoFit/>
       </a:bodyPr>
       <a:lstStyle>
@@ -12107,10 +12820,10 @@
             </a:solidFill>
             <a:effectLst/>
             <a:uFillTx/>
-            <a:latin typeface="Arial"/>
-            <a:ea typeface="Arial"/>
-            <a:cs typeface="Arial"/>
-            <a:sym typeface="Arial"/>
+            <a:latin typeface="+mj-lt"/>
+            <a:ea typeface="+mj-ea"/>
+            <a:cs typeface="+mj-cs"/>
+            <a:sym typeface="Helvetica"/>
           </a:defRPr>
         </a:defPPr>
         <a:lvl1pPr marL="0" marR="0" indent="0" algn="l" defTabSz="914400" rtl="0" fontAlgn="auto" latinLnBrk="1" hangingPunct="0">
@@ -12366,9 +13079,9 @@
           <a:round/>
         </a:ln>
         <a:effectLst>
-          <a:outerShdw sx="100000" sy="100000" kx="0" ky="0" algn="b" rotWithShape="0" blurRad="38100" dist="20000" dir="5400000">
+          <a:outerShdw sx="100000" sy="100000" kx="0" ky="0" algn="b" rotWithShape="0" blurRad="38100" dist="23000" dir="5400000">
             <a:srgbClr val="000000">
-              <a:alpha val="38000"/>
+              <a:alpha val="35000"/>
             </a:srgbClr>
           </a:outerShdw>
         </a:effectLst>
@@ -12656,7 +13369,7 @@
         <a:effectLst/>
         <a:sp3d/>
       </a:spPr>
-      <a:bodyPr rot="0" spcFirstLastPara="1" vertOverflow="overflow" horzOverflow="overflow" vert="horz" wrap="square" lIns="45719" tIns="45719" rIns="45719" bIns="45719" numCol="1" spcCol="38100" rtlCol="0" anchor="t" upright="0">
+      <a:bodyPr rot="0" spcFirstLastPara="1" vertOverflow="overflow" horzOverflow="overflow" vert="horz" wrap="square" lIns="45718" tIns="45718" rIns="45718" bIns="45718" numCol="1" spcCol="38100" rtlCol="0" anchor="t" upright="0">
         <a:spAutoFit/>
       </a:bodyPr>
       <a:lstStyle>
@@ -12684,10 +13397,10 @@
             </a:solidFill>
             <a:effectLst/>
             <a:uFillTx/>
-            <a:latin typeface="Arial"/>
-            <a:ea typeface="Arial"/>
-            <a:cs typeface="Arial"/>
-            <a:sym typeface="Arial"/>
+            <a:latin typeface="+mj-lt"/>
+            <a:ea typeface="+mj-ea"/>
+            <a:cs typeface="+mj-cs"/>
+            <a:sym typeface="Helvetica"/>
           </a:defRPr>
         </a:defPPr>
         <a:lvl1pPr marL="0" marR="0" indent="0" algn="l" defTabSz="914400" rtl="0" fontAlgn="auto" latinLnBrk="1" hangingPunct="0">
@@ -12979,14 +13692,14 @@
     </a:clrScheme>
     <a:fontScheme name="Simple Light">
       <a:majorFont>
+        <a:latin typeface="Helvetica"/>
+        <a:ea typeface="Helvetica"/>
+        <a:cs typeface="Helvetica"/>
+      </a:majorFont>
+      <a:minorFont>
         <a:latin typeface="Helvetica Neue"/>
         <a:ea typeface="Helvetica Neue"/>
         <a:cs typeface="Helvetica Neue"/>
-      </a:majorFont>
-      <a:minorFont>
-        <a:latin typeface="Helvetica"/>
-        <a:ea typeface="Helvetica"/>
-        <a:cs typeface="Helvetica"/>
       </a:minorFont>
     </a:fontScheme>
     <a:fmtScheme name="Simple Light">
@@ -13081,9 +13794,9 @@
         </a:effectStyle>
         <a:effectStyle>
           <a:effectLst>
-            <a:outerShdw sx="100000" sy="100000" kx="0" ky="0" algn="b" rotWithShape="0" blurRad="38100" dist="20000" dir="5400000">
+            <a:outerShdw sx="100000" sy="100000" kx="0" ky="0" algn="b" rotWithShape="0" blurRad="38100" dist="23000" dir="5400000">
               <a:srgbClr val="000000">
-                <a:alpha val="38000"/>
+                <a:alpha val="35000"/>
               </a:srgbClr>
             </a:outerShdw>
           </a:effectLst>
@@ -13163,7 +13876,7 @@
         </a:effectLst>
         <a:sp3d/>
       </a:spPr>
-      <a:bodyPr rot="0" spcFirstLastPara="1" vertOverflow="overflow" horzOverflow="overflow" vert="horz" wrap="square" lIns="45719" tIns="45719" rIns="45719" bIns="45719" numCol="1" spcCol="38100" rtlCol="0" anchor="ctr" upright="0">
+      <a:bodyPr rot="0" spcFirstLastPara="1" vertOverflow="overflow" horzOverflow="overflow" vert="horz" wrap="square" lIns="45718" tIns="45718" rIns="45718" bIns="45718" numCol="1" spcCol="38100" rtlCol="0" anchor="ctr" upright="0">
         <a:spAutoFit/>
       </a:bodyPr>
       <a:lstStyle>
@@ -13191,10 +13904,10 @@
             </a:solidFill>
             <a:effectLst/>
             <a:uFillTx/>
-            <a:latin typeface="Arial"/>
-            <a:ea typeface="Arial"/>
-            <a:cs typeface="Arial"/>
-            <a:sym typeface="Arial"/>
+            <a:latin typeface="+mj-lt"/>
+            <a:ea typeface="+mj-ea"/>
+            <a:cs typeface="+mj-cs"/>
+            <a:sym typeface="Helvetica"/>
           </a:defRPr>
         </a:defPPr>
         <a:lvl1pPr marL="0" marR="0" indent="0" algn="l" defTabSz="914400" rtl="0" fontAlgn="auto" latinLnBrk="1" hangingPunct="0">
@@ -13450,9 +14163,9 @@
           <a:round/>
         </a:ln>
         <a:effectLst>
-          <a:outerShdw sx="100000" sy="100000" kx="0" ky="0" algn="b" rotWithShape="0" blurRad="38100" dist="20000" dir="5400000">
+          <a:outerShdw sx="100000" sy="100000" kx="0" ky="0" algn="b" rotWithShape="0" blurRad="38100" dist="23000" dir="5400000">
             <a:srgbClr val="000000">
-              <a:alpha val="38000"/>
+              <a:alpha val="35000"/>
             </a:srgbClr>
           </a:outerShdw>
         </a:effectLst>
@@ -13740,7 +14453,7 @@
         <a:effectLst/>
         <a:sp3d/>
       </a:spPr>
-      <a:bodyPr rot="0" spcFirstLastPara="1" vertOverflow="overflow" horzOverflow="overflow" vert="horz" wrap="square" lIns="45719" tIns="45719" rIns="45719" bIns="45719" numCol="1" spcCol="38100" rtlCol="0" anchor="t" upright="0">
+      <a:bodyPr rot="0" spcFirstLastPara="1" vertOverflow="overflow" horzOverflow="overflow" vert="horz" wrap="square" lIns="45718" tIns="45718" rIns="45718" bIns="45718" numCol="1" spcCol="38100" rtlCol="0" anchor="t" upright="0">
         <a:spAutoFit/>
       </a:bodyPr>
       <a:lstStyle>
@@ -13768,10 +14481,10 @@
             </a:solidFill>
             <a:effectLst/>
             <a:uFillTx/>
-            <a:latin typeface="Arial"/>
-            <a:ea typeface="Arial"/>
-            <a:cs typeface="Arial"/>
-            <a:sym typeface="Arial"/>
+            <a:latin typeface="+mj-lt"/>
+            <a:ea typeface="+mj-ea"/>
+            <a:cs typeface="+mj-cs"/>
+            <a:sym typeface="Helvetica"/>
           </a:defRPr>
         </a:defPPr>
         <a:lvl1pPr marL="0" marR="0" indent="0" algn="l" defTabSz="914400" rtl="0" fontAlgn="auto" latinLnBrk="1" hangingPunct="0">
